--- a/Презентация.pptx
+++ b/Презентация.pptx
@@ -8,9 +8,8 @@
     <p:sldId id="256" r:id="rId2"/>
     <p:sldId id="259" r:id="rId3"/>
     <p:sldId id="257" r:id="rId4"/>
-    <p:sldId id="258" r:id="rId5"/>
-    <p:sldId id="260" r:id="rId6"/>
-    <p:sldId id="261" r:id="rId7"/>
+    <p:sldId id="260" r:id="rId5"/>
+    <p:sldId id="261" r:id="rId6"/>
   </p:sldIdLst>
   <p:sldSz cx="12192000" cy="6858000"/>
   <p:notesSz cx="6858000" cy="9144000"/>
@@ -109,6 +108,11 @@
       </a:defRPr>
     </a:lvl9pPr>
   </p:defaultTextStyle>
+  <p:extLst>
+    <p:ext uri="{EFAFB233-063F-42B5-8137-9DF3F51BA10A}">
+      <p15:sldGuideLst xmlns:p15="http://schemas.microsoft.com/office/powerpoint/2012/main"/>
+    </p:ext>
+  </p:extLst>
 </p:presentation>
 </file>
 
@@ -6086,12 +6090,15 @@
               <a:rPr lang="ru-RU" i="1" dirty="0" smtClean="0"/>
               <a:t>Возможности пользователя</a:t>
             </a:r>
-            <a:endParaRPr lang="ru-RU" i="1" dirty="0"/>
           </a:p>
           <a:p>
             <a:r>
               <a:rPr lang="ru-RU" dirty="0" smtClean="0"/>
-              <a:t>Просмотр информационной части приложения</a:t>
+              <a:t>Просмотр </a:t>
+            </a:r>
+            <a:r>
+              <a:rPr lang="ru-RU" dirty="0" smtClean="0"/>
+              <a:t>информационной части приложения</a:t>
             </a:r>
           </a:p>
           <a:p>
@@ -6194,82 +6201,6 @@
           <a:p>
             <a:r>
               <a:rPr lang="ru-RU" dirty="0" smtClean="0"/>
-              <a:t>Возможности пользователя</a:t>
-            </a:r>
-            <a:endParaRPr lang="ru-RU" dirty="0"/>
-          </a:p>
-        </p:txBody>
-      </p:sp>
-      <p:sp>
-        <p:nvSpPr>
-          <p:cNvPr id="3" name="Объект 2"/>
-          <p:cNvSpPr>
-            <a:spLocks noGrp="1"/>
-          </p:cNvSpPr>
-          <p:nvPr>
-            <p:ph idx="1"/>
-          </p:nvPr>
-        </p:nvSpPr>
-        <p:spPr/>
-        <p:txBody>
-          <a:bodyPr/>
-          <a:lstStyle/>
-          <a:p>
-            <a:r>
-              <a:rPr lang="ru-RU" dirty="0" smtClean="0"/>
-              <a:t>На нашем сайте пользователь может выполнять на своём </a:t>
-            </a:r>
-            <a:endParaRPr lang="ru-RU" dirty="0"/>
-          </a:p>
-        </p:txBody>
-      </p:sp>
-    </p:spTree>
-    <p:extLst>
-      <p:ext uri="{BB962C8B-B14F-4D97-AF65-F5344CB8AC3E}">
-        <p14:creationId xmlns:p14="http://schemas.microsoft.com/office/powerpoint/2010/main" val="3400426983"/>
-      </p:ext>
-    </p:extLst>
-  </p:cSld>
-  <p:clrMapOvr>
-    <a:masterClrMapping/>
-  </p:clrMapOvr>
-</p:sld>
-</file>
-
-<file path=ppt/slides/slide5.xml><?xml version="1.0" encoding="utf-8"?>
-<p:sld xmlns:a="http://schemas.openxmlformats.org/drawingml/2006/main" xmlns:r="http://schemas.openxmlformats.org/officeDocument/2006/relationships" xmlns:p="http://schemas.openxmlformats.org/presentationml/2006/main">
-  <p:cSld>
-    <p:spTree>
-      <p:nvGrpSpPr>
-        <p:cNvPr id="1" name=""/>
-        <p:cNvGrpSpPr/>
-        <p:nvPr/>
-      </p:nvGrpSpPr>
-      <p:grpSpPr>
-        <a:xfrm>
-          <a:off x="0" y="0"/>
-          <a:ext cx="0" cy="0"/>
-          <a:chOff x="0" y="0"/>
-          <a:chExt cx="0" cy="0"/>
-        </a:xfrm>
-      </p:grpSpPr>
-      <p:sp>
-        <p:nvSpPr>
-          <p:cNvPr id="2" name="Заголовок 1"/>
-          <p:cNvSpPr>
-            <a:spLocks noGrp="1"/>
-          </p:cNvSpPr>
-          <p:nvPr>
-            <p:ph type="title"/>
-          </p:nvPr>
-        </p:nvSpPr>
-        <p:spPr/>
-        <p:txBody>
-          <a:bodyPr/>
-          <a:lstStyle/>
-          <a:p>
-            <a:r>
-              <a:rPr lang="ru-RU" dirty="0" smtClean="0"/>
               <a:t>Продуктовые воронки</a:t>
             </a:r>
             <a:endParaRPr lang="ru-RU" dirty="0"/>
@@ -6346,7 +6277,7 @@
 </p:sld>
 </file>
 
-<file path=ppt/slides/slide6.xml><?xml version="1.0" encoding="utf-8"?>
+<file path=ppt/slides/slide5.xml><?xml version="1.0" encoding="utf-8"?>
 <p:sld xmlns:a="http://schemas.openxmlformats.org/drawingml/2006/main" xmlns:r="http://schemas.openxmlformats.org/officeDocument/2006/relationships" xmlns:p="http://schemas.openxmlformats.org/presentationml/2006/main">
   <p:cSld>
     <p:spTree>

--- a/Презентация.pptx
+++ b/Презентация.pptx
@@ -10,6 +10,10 @@
     <p:sldId id="257" r:id="rId4"/>
     <p:sldId id="260" r:id="rId5"/>
     <p:sldId id="261" r:id="rId6"/>
+    <p:sldId id="262" r:id="rId7"/>
+    <p:sldId id="263" r:id="rId8"/>
+    <p:sldId id="264" r:id="rId9"/>
+    <p:sldId id="265" r:id="rId10"/>
   </p:sldIdLst>
   <p:sldSz cx="12192000" cy="6858000"/>
   <p:notesSz cx="6858000" cy="9144000"/>
@@ -694,7 +698,7 @@
           </a:lstStyle>
           <a:p>
             <a:r>
-              <a:rPr lang="ru-RU" smtClean="0"/>
+              <a:rPr lang="ru-RU"/>
               <a:t>Образец заголовка</a:t>
             </a:r>
             <a:endParaRPr lang="en-US" dirty="0"/>
@@ -814,7 +818,7 @@
           </a:lstStyle>
           <a:p>
             <a:r>
-              <a:rPr lang="ru-RU" smtClean="0"/>
+              <a:rPr lang="ru-RU"/>
               <a:t>Образец подзаголовка</a:t>
             </a:r>
             <a:endParaRPr lang="en-US" dirty="0"/>
@@ -838,7 +842,7 @@
           <a:p>
             <a:fld id="{C4468F5C-618C-49E7-A9EA-6A3B5C3F1A53}" type="datetimeFigureOut">
               <a:rPr lang="ru-RU" smtClean="0"/>
-              <a:t>15.09.2020</a:t>
+              <a:t>28.09.2020</a:t>
             </a:fld>
             <a:endParaRPr lang="ru-RU"/>
           </a:p>
@@ -943,7 +947,7 @@
           </a:lstStyle>
           <a:p>
             <a:r>
-              <a:rPr lang="ru-RU" smtClean="0"/>
+              <a:rPr lang="ru-RU"/>
               <a:t>Образец заголовка</a:t>
             </a:r>
             <a:endParaRPr lang="en-US" dirty="0"/>
@@ -1066,7 +1070,7 @@
           <a:p>
             <a:pPr lvl="0"/>
             <a:r>
-              <a:rPr lang="ru-RU" smtClean="0"/>
+              <a:rPr lang="ru-RU"/>
               <a:t>Образец текста</a:t>
             </a:r>
           </a:p>
@@ -1089,7 +1093,7 @@
           <a:p>
             <a:fld id="{C4468F5C-618C-49E7-A9EA-6A3B5C3F1A53}" type="datetimeFigureOut">
               <a:rPr lang="ru-RU" smtClean="0"/>
-              <a:t>15.09.2020</a:t>
+              <a:t>28.09.2020</a:t>
             </a:fld>
             <a:endParaRPr lang="ru-RU"/>
           </a:p>
@@ -1194,7 +1198,7 @@
           </a:lstStyle>
           <a:p>
             <a:r>
-              <a:rPr lang="ru-RU" smtClean="0"/>
+              <a:rPr lang="ru-RU"/>
               <a:t>Образец заголовка</a:t>
             </a:r>
             <a:endParaRPr lang="en-US" dirty="0"/>
@@ -1258,7 +1262,7 @@
           <a:p>
             <a:pPr lvl="0"/>
             <a:r>
-              <a:rPr lang="ru-RU" smtClean="0"/>
+              <a:rPr lang="ru-RU"/>
               <a:t>Образец текста</a:t>
             </a:r>
           </a:p>
@@ -1380,7 +1384,7 @@
           <a:p>
             <a:pPr lvl="0"/>
             <a:r>
-              <a:rPr lang="ru-RU" smtClean="0"/>
+              <a:rPr lang="ru-RU"/>
               <a:t>Образец текста</a:t>
             </a:r>
           </a:p>
@@ -1403,7 +1407,7 @@
           <a:p>
             <a:fld id="{C4468F5C-618C-49E7-A9EA-6A3B5C3F1A53}" type="datetimeFigureOut">
               <a:rPr lang="ru-RU" smtClean="0"/>
-              <a:t>15.09.2020</a:t>
+              <a:t>28.09.2020</a:t>
             </a:fld>
             <a:endParaRPr lang="ru-RU"/>
           </a:p>
@@ -1598,7 +1602,7 @@
           </a:lstStyle>
           <a:p>
             <a:r>
-              <a:rPr lang="ru-RU" smtClean="0"/>
+              <a:rPr lang="ru-RU"/>
               <a:t>Образец заголовка</a:t>
             </a:r>
             <a:endParaRPr lang="en-US" dirty="0"/>
@@ -1721,7 +1725,7 @@
           <a:p>
             <a:pPr lvl="0"/>
             <a:r>
-              <a:rPr lang="ru-RU" smtClean="0"/>
+              <a:rPr lang="ru-RU"/>
               <a:t>Образец текста</a:t>
             </a:r>
           </a:p>
@@ -1744,7 +1748,7 @@
           <a:p>
             <a:fld id="{C4468F5C-618C-49E7-A9EA-6A3B5C3F1A53}" type="datetimeFigureOut">
               <a:rPr lang="ru-RU" smtClean="0"/>
-              <a:t>15.09.2020</a:t>
+              <a:t>28.09.2020</a:t>
             </a:fld>
             <a:endParaRPr lang="ru-RU"/>
           </a:p>
@@ -1849,7 +1853,7 @@
           </a:lstStyle>
           <a:p>
             <a:r>
-              <a:rPr lang="ru-RU" smtClean="0"/>
+              <a:rPr lang="ru-RU"/>
               <a:t>Образец заголовка</a:t>
             </a:r>
             <a:endParaRPr lang="en-US" dirty="0"/>
@@ -1913,7 +1917,7 @@
           <a:p>
             <a:pPr lvl="0"/>
             <a:r>
-              <a:rPr lang="ru-RU" smtClean="0"/>
+              <a:rPr lang="ru-RU"/>
               <a:t>Образец текста</a:t>
             </a:r>
           </a:p>
@@ -2035,7 +2039,7 @@
           <a:p>
             <a:pPr lvl="0"/>
             <a:r>
-              <a:rPr lang="ru-RU" smtClean="0"/>
+              <a:rPr lang="ru-RU"/>
               <a:t>Образец текста</a:t>
             </a:r>
           </a:p>
@@ -2058,7 +2062,7 @@
           <a:p>
             <a:fld id="{C4468F5C-618C-49E7-A9EA-6A3B5C3F1A53}" type="datetimeFigureOut">
               <a:rPr lang="ru-RU" smtClean="0"/>
-              <a:t>15.09.2020</a:t>
+              <a:t>28.09.2020</a:t>
             </a:fld>
             <a:endParaRPr lang="ru-RU"/>
           </a:p>
@@ -2245,7 +2249,7 @@
           </a:lstStyle>
           <a:p>
             <a:r>
-              <a:rPr lang="ru-RU" smtClean="0"/>
+              <a:rPr lang="ru-RU"/>
               <a:t>Образец заголовка</a:t>
             </a:r>
             <a:endParaRPr lang="en-US" dirty="0"/>
@@ -2306,7 +2310,7 @@
           <a:p>
             <a:pPr lvl="0"/>
             <a:r>
-              <a:rPr lang="ru-RU" smtClean="0"/>
+              <a:rPr lang="ru-RU"/>
               <a:t>Образец текста</a:t>
             </a:r>
           </a:p>
@@ -2428,7 +2432,7 @@
           <a:p>
             <a:pPr lvl="0"/>
             <a:r>
-              <a:rPr lang="ru-RU" smtClean="0"/>
+              <a:rPr lang="ru-RU"/>
               <a:t>Образец текста</a:t>
             </a:r>
           </a:p>
@@ -2451,7 +2455,7 @@
           <a:p>
             <a:fld id="{C4468F5C-618C-49E7-A9EA-6A3B5C3F1A53}" type="datetimeFigureOut">
               <a:rPr lang="ru-RU" smtClean="0"/>
-              <a:t>15.09.2020</a:t>
+              <a:t>28.09.2020</a:t>
             </a:fld>
             <a:endParaRPr lang="ru-RU"/>
           </a:p>
@@ -2545,7 +2549,7 @@
           <a:lstStyle/>
           <a:p>
             <a:r>
-              <a:rPr lang="ru-RU" smtClean="0"/>
+              <a:rPr lang="ru-RU"/>
               <a:t>Образец заголовка</a:t>
             </a:r>
             <a:endParaRPr lang="en-US" dirty="0"/>
@@ -2569,35 +2573,35 @@
           <a:p>
             <a:pPr lvl="0"/>
             <a:r>
-              <a:rPr lang="ru-RU" smtClean="0"/>
+              <a:rPr lang="ru-RU"/>
               <a:t>Образец текста</a:t>
             </a:r>
           </a:p>
           <a:p>
             <a:pPr lvl="1"/>
             <a:r>
-              <a:rPr lang="ru-RU" smtClean="0"/>
+              <a:rPr lang="ru-RU"/>
               <a:t>Второй уровень</a:t>
             </a:r>
           </a:p>
           <a:p>
             <a:pPr lvl="2"/>
             <a:r>
-              <a:rPr lang="ru-RU" smtClean="0"/>
+              <a:rPr lang="ru-RU"/>
               <a:t>Третий уровень</a:t>
             </a:r>
           </a:p>
           <a:p>
             <a:pPr lvl="3"/>
             <a:r>
-              <a:rPr lang="ru-RU" smtClean="0"/>
+              <a:rPr lang="ru-RU"/>
               <a:t>Четвертый уровень</a:t>
             </a:r>
           </a:p>
           <a:p>
             <a:pPr lvl="4"/>
             <a:r>
-              <a:rPr lang="ru-RU" smtClean="0"/>
+              <a:rPr lang="ru-RU"/>
               <a:t>Пятый уровень</a:t>
             </a:r>
             <a:endParaRPr lang="en-US" dirty="0"/>
@@ -2621,7 +2625,7 @@
           <a:p>
             <a:fld id="{C4468F5C-618C-49E7-A9EA-6A3B5C3F1A53}" type="datetimeFigureOut">
               <a:rPr lang="ru-RU" smtClean="0"/>
-              <a:t>15.09.2020</a:t>
+              <a:t>28.09.2020</a:t>
             </a:fld>
             <a:endParaRPr lang="ru-RU"/>
           </a:p>
@@ -2720,7 +2724,7 @@
           <a:lstStyle/>
           <a:p>
             <a:r>
-              <a:rPr lang="ru-RU" smtClean="0"/>
+              <a:rPr lang="ru-RU"/>
               <a:t>Образец заголовка</a:t>
             </a:r>
             <a:endParaRPr lang="en-US" dirty="0"/>
@@ -2749,35 +2753,35 @@
           <a:p>
             <a:pPr lvl="0"/>
             <a:r>
-              <a:rPr lang="ru-RU" smtClean="0"/>
+              <a:rPr lang="ru-RU"/>
               <a:t>Образец текста</a:t>
             </a:r>
           </a:p>
           <a:p>
             <a:pPr lvl="1"/>
             <a:r>
-              <a:rPr lang="ru-RU" smtClean="0"/>
+              <a:rPr lang="ru-RU"/>
               <a:t>Второй уровень</a:t>
             </a:r>
           </a:p>
           <a:p>
             <a:pPr lvl="2"/>
             <a:r>
-              <a:rPr lang="ru-RU" smtClean="0"/>
+              <a:rPr lang="ru-RU"/>
               <a:t>Третий уровень</a:t>
             </a:r>
           </a:p>
           <a:p>
             <a:pPr lvl="3"/>
             <a:r>
-              <a:rPr lang="ru-RU" smtClean="0"/>
+              <a:rPr lang="ru-RU"/>
               <a:t>Четвертый уровень</a:t>
             </a:r>
           </a:p>
           <a:p>
             <a:pPr lvl="4"/>
             <a:r>
-              <a:rPr lang="ru-RU" smtClean="0"/>
+              <a:rPr lang="ru-RU"/>
               <a:t>Пятый уровень</a:t>
             </a:r>
             <a:endParaRPr lang="en-US" dirty="0"/>
@@ -2801,7 +2805,7 @@
           <a:p>
             <a:fld id="{C4468F5C-618C-49E7-A9EA-6A3B5C3F1A53}" type="datetimeFigureOut">
               <a:rPr lang="ru-RU" smtClean="0"/>
-              <a:t>15.09.2020</a:t>
+              <a:t>28.09.2020</a:t>
             </a:fld>
             <a:endParaRPr lang="ru-RU"/>
           </a:p>
@@ -2901,7 +2905,7 @@
           </a:lstStyle>
           <a:p>
             <a:r>
-              <a:rPr lang="ru-RU" smtClean="0"/>
+              <a:rPr lang="ru-RU"/>
               <a:t>Образец заголовка</a:t>
             </a:r>
             <a:endParaRPr lang="en-US" dirty="0"/>
@@ -2925,35 +2929,35 @@
           <a:p>
             <a:pPr lvl="0"/>
             <a:r>
-              <a:rPr lang="ru-RU" smtClean="0"/>
+              <a:rPr lang="ru-RU"/>
               <a:t>Образец текста</a:t>
             </a:r>
           </a:p>
           <a:p>
             <a:pPr lvl="1"/>
             <a:r>
-              <a:rPr lang="ru-RU" smtClean="0"/>
+              <a:rPr lang="ru-RU"/>
               <a:t>Второй уровень</a:t>
             </a:r>
           </a:p>
           <a:p>
             <a:pPr lvl="2"/>
             <a:r>
-              <a:rPr lang="ru-RU" smtClean="0"/>
+              <a:rPr lang="ru-RU"/>
               <a:t>Третий уровень</a:t>
             </a:r>
           </a:p>
           <a:p>
             <a:pPr lvl="3"/>
             <a:r>
-              <a:rPr lang="ru-RU" smtClean="0"/>
+              <a:rPr lang="ru-RU"/>
               <a:t>Четвертый уровень</a:t>
             </a:r>
           </a:p>
           <a:p>
             <a:pPr lvl="4"/>
             <a:r>
-              <a:rPr lang="ru-RU" smtClean="0"/>
+              <a:rPr lang="ru-RU"/>
               <a:t>Пятый уровень</a:t>
             </a:r>
             <a:endParaRPr lang="en-US" dirty="0"/>
@@ -2977,7 +2981,7 @@
           <a:p>
             <a:fld id="{C4468F5C-618C-49E7-A9EA-6A3B5C3F1A53}" type="datetimeFigureOut">
               <a:rPr lang="ru-RU" smtClean="0"/>
-              <a:t>15.09.2020</a:t>
+              <a:t>28.09.2020</a:t>
             </a:fld>
             <a:endParaRPr lang="ru-RU"/>
           </a:p>
@@ -3080,7 +3084,7 @@
           </a:lstStyle>
           <a:p>
             <a:r>
-              <a:rPr lang="ru-RU" smtClean="0"/>
+              <a:rPr lang="ru-RU"/>
               <a:t>Образец заголовка</a:t>
             </a:r>
             <a:endParaRPr lang="en-US" dirty="0"/>
@@ -3201,7 +3205,7 @@
           <a:p>
             <a:pPr lvl="0"/>
             <a:r>
-              <a:rPr lang="ru-RU" smtClean="0"/>
+              <a:rPr lang="ru-RU"/>
               <a:t>Образец текста</a:t>
             </a:r>
           </a:p>
@@ -3224,7 +3228,7 @@
           <a:p>
             <a:fld id="{C4468F5C-618C-49E7-A9EA-6A3B5C3F1A53}" type="datetimeFigureOut">
               <a:rPr lang="ru-RU" smtClean="0"/>
-              <a:t>15.09.2020</a:t>
+              <a:t>28.09.2020</a:t>
             </a:fld>
             <a:endParaRPr lang="ru-RU"/>
           </a:p>
@@ -3318,7 +3322,7 @@
           <a:lstStyle/>
           <a:p>
             <a:r>
-              <a:rPr lang="ru-RU" smtClean="0"/>
+              <a:rPr lang="ru-RU"/>
               <a:t>Образец заголовка</a:t>
             </a:r>
             <a:endParaRPr lang="en-US" dirty="0"/>
@@ -3347,35 +3351,35 @@
           <a:p>
             <a:pPr lvl="0"/>
             <a:r>
-              <a:rPr lang="ru-RU" smtClean="0"/>
+              <a:rPr lang="ru-RU"/>
               <a:t>Образец текста</a:t>
             </a:r>
           </a:p>
           <a:p>
             <a:pPr lvl="1"/>
             <a:r>
-              <a:rPr lang="ru-RU" smtClean="0"/>
+              <a:rPr lang="ru-RU"/>
               <a:t>Второй уровень</a:t>
             </a:r>
           </a:p>
           <a:p>
             <a:pPr lvl="2"/>
             <a:r>
-              <a:rPr lang="ru-RU" smtClean="0"/>
+              <a:rPr lang="ru-RU"/>
               <a:t>Третий уровень</a:t>
             </a:r>
           </a:p>
           <a:p>
             <a:pPr lvl="3"/>
             <a:r>
-              <a:rPr lang="ru-RU" smtClean="0"/>
+              <a:rPr lang="ru-RU"/>
               <a:t>Четвертый уровень</a:t>
             </a:r>
           </a:p>
           <a:p>
             <a:pPr lvl="4"/>
             <a:r>
-              <a:rPr lang="ru-RU" smtClean="0"/>
+              <a:rPr lang="ru-RU"/>
               <a:t>Пятый уровень</a:t>
             </a:r>
             <a:endParaRPr lang="en-US" dirty="0"/>
@@ -3404,35 +3408,35 @@
           <a:p>
             <a:pPr lvl="0"/>
             <a:r>
-              <a:rPr lang="ru-RU" smtClean="0"/>
+              <a:rPr lang="ru-RU"/>
               <a:t>Образец текста</a:t>
             </a:r>
           </a:p>
           <a:p>
             <a:pPr lvl="1"/>
             <a:r>
-              <a:rPr lang="ru-RU" smtClean="0"/>
+              <a:rPr lang="ru-RU"/>
               <a:t>Второй уровень</a:t>
             </a:r>
           </a:p>
           <a:p>
             <a:pPr lvl="2"/>
             <a:r>
-              <a:rPr lang="ru-RU" smtClean="0"/>
+              <a:rPr lang="ru-RU"/>
               <a:t>Третий уровень</a:t>
             </a:r>
           </a:p>
           <a:p>
             <a:pPr lvl="3"/>
             <a:r>
-              <a:rPr lang="ru-RU" smtClean="0"/>
+              <a:rPr lang="ru-RU"/>
               <a:t>Четвертый уровень</a:t>
             </a:r>
           </a:p>
           <a:p>
             <a:pPr lvl="4"/>
             <a:r>
-              <a:rPr lang="ru-RU" smtClean="0"/>
+              <a:rPr lang="ru-RU"/>
               <a:t>Пятый уровень</a:t>
             </a:r>
             <a:endParaRPr lang="en-US" dirty="0"/>
@@ -3456,7 +3460,7 @@
           <a:p>
             <a:fld id="{C4468F5C-618C-49E7-A9EA-6A3B5C3F1A53}" type="datetimeFigureOut">
               <a:rPr lang="ru-RU" smtClean="0"/>
-              <a:t>15.09.2020</a:t>
+              <a:t>28.09.2020</a:t>
             </a:fld>
             <a:endParaRPr lang="ru-RU"/>
           </a:p>
@@ -3554,7 +3558,7 @@
           </a:lstStyle>
           <a:p>
             <a:r>
-              <a:rPr lang="ru-RU" smtClean="0"/>
+              <a:rPr lang="ru-RU"/>
               <a:t>Образец заголовка</a:t>
             </a:r>
             <a:endParaRPr lang="en-US" dirty="0"/>
@@ -3622,7 +3626,7 @@
           <a:p>
             <a:pPr lvl="0"/>
             <a:r>
-              <a:rPr lang="ru-RU" smtClean="0"/>
+              <a:rPr lang="ru-RU"/>
               <a:t>Образец текста</a:t>
             </a:r>
           </a:p>
@@ -3652,35 +3656,35 @@
           <a:p>
             <a:pPr lvl="0"/>
             <a:r>
-              <a:rPr lang="ru-RU" smtClean="0"/>
+              <a:rPr lang="ru-RU"/>
               <a:t>Образец текста</a:t>
             </a:r>
           </a:p>
           <a:p>
             <a:pPr lvl="1"/>
             <a:r>
-              <a:rPr lang="ru-RU" smtClean="0"/>
+              <a:rPr lang="ru-RU"/>
               <a:t>Второй уровень</a:t>
             </a:r>
           </a:p>
           <a:p>
             <a:pPr lvl="2"/>
             <a:r>
-              <a:rPr lang="ru-RU" smtClean="0"/>
+              <a:rPr lang="ru-RU"/>
               <a:t>Третий уровень</a:t>
             </a:r>
           </a:p>
           <a:p>
             <a:pPr lvl="3"/>
             <a:r>
-              <a:rPr lang="ru-RU" smtClean="0"/>
+              <a:rPr lang="ru-RU"/>
               <a:t>Четвертый уровень</a:t>
             </a:r>
           </a:p>
           <a:p>
             <a:pPr lvl="4"/>
             <a:r>
-              <a:rPr lang="ru-RU" smtClean="0"/>
+              <a:rPr lang="ru-RU"/>
               <a:t>Пятый уровень</a:t>
             </a:r>
             <a:endParaRPr lang="en-US" dirty="0"/>
@@ -3748,7 +3752,7 @@
           <a:p>
             <a:pPr lvl="0"/>
             <a:r>
-              <a:rPr lang="ru-RU" smtClean="0"/>
+              <a:rPr lang="ru-RU"/>
               <a:t>Образец текста</a:t>
             </a:r>
           </a:p>
@@ -3778,35 +3782,35 @@
           <a:p>
             <a:pPr lvl="0"/>
             <a:r>
-              <a:rPr lang="ru-RU" smtClean="0"/>
+              <a:rPr lang="ru-RU"/>
               <a:t>Образец текста</a:t>
             </a:r>
           </a:p>
           <a:p>
             <a:pPr lvl="1"/>
             <a:r>
-              <a:rPr lang="ru-RU" smtClean="0"/>
+              <a:rPr lang="ru-RU"/>
               <a:t>Второй уровень</a:t>
             </a:r>
           </a:p>
           <a:p>
             <a:pPr lvl="2"/>
             <a:r>
-              <a:rPr lang="ru-RU" smtClean="0"/>
+              <a:rPr lang="ru-RU"/>
               <a:t>Третий уровень</a:t>
             </a:r>
           </a:p>
           <a:p>
             <a:pPr lvl="3"/>
             <a:r>
-              <a:rPr lang="ru-RU" smtClean="0"/>
+              <a:rPr lang="ru-RU"/>
               <a:t>Четвертый уровень</a:t>
             </a:r>
           </a:p>
           <a:p>
             <a:pPr lvl="4"/>
             <a:r>
-              <a:rPr lang="ru-RU" smtClean="0"/>
+              <a:rPr lang="ru-RU"/>
               <a:t>Пятый уровень</a:t>
             </a:r>
             <a:endParaRPr lang="en-US" dirty="0"/>
@@ -3830,7 +3834,7 @@
           <a:p>
             <a:fld id="{C4468F5C-618C-49E7-A9EA-6A3B5C3F1A53}" type="datetimeFigureOut">
               <a:rPr lang="ru-RU" smtClean="0"/>
-              <a:t>15.09.2020</a:t>
+              <a:t>28.09.2020</a:t>
             </a:fld>
             <a:endParaRPr lang="ru-RU"/>
           </a:p>
@@ -3929,7 +3933,7 @@
           <a:lstStyle/>
           <a:p>
             <a:r>
-              <a:rPr lang="ru-RU" smtClean="0"/>
+              <a:rPr lang="ru-RU"/>
               <a:t>Образец заголовка</a:t>
             </a:r>
             <a:endParaRPr lang="en-US" dirty="0"/>
@@ -3953,7 +3957,7 @@
           <a:p>
             <a:fld id="{C4468F5C-618C-49E7-A9EA-6A3B5C3F1A53}" type="datetimeFigureOut">
               <a:rPr lang="ru-RU" smtClean="0"/>
-              <a:t>15.09.2020</a:t>
+              <a:t>28.09.2020</a:t>
             </a:fld>
             <a:endParaRPr lang="ru-RU"/>
           </a:p>
@@ -4048,7 +4052,7 @@
           <a:p>
             <a:fld id="{C4468F5C-618C-49E7-A9EA-6A3B5C3F1A53}" type="datetimeFigureOut">
               <a:rPr lang="ru-RU" smtClean="0"/>
-              <a:t>15.09.2020</a:t>
+              <a:t>28.09.2020</a:t>
             </a:fld>
             <a:endParaRPr lang="ru-RU"/>
           </a:p>
@@ -4153,7 +4157,7 @@
           </a:lstStyle>
           <a:p>
             <a:r>
-              <a:rPr lang="ru-RU" smtClean="0"/>
+              <a:rPr lang="ru-RU"/>
               <a:t>Образец заголовка</a:t>
             </a:r>
             <a:endParaRPr lang="en-US" dirty="0"/>
@@ -4184,35 +4188,35 @@
           <a:p>
             <a:pPr lvl="0"/>
             <a:r>
-              <a:rPr lang="ru-RU" smtClean="0"/>
+              <a:rPr lang="ru-RU"/>
               <a:t>Образец текста</a:t>
             </a:r>
           </a:p>
           <a:p>
             <a:pPr lvl="1"/>
             <a:r>
-              <a:rPr lang="ru-RU" smtClean="0"/>
+              <a:rPr lang="ru-RU"/>
               <a:t>Второй уровень</a:t>
             </a:r>
           </a:p>
           <a:p>
             <a:pPr lvl="2"/>
             <a:r>
-              <a:rPr lang="ru-RU" smtClean="0"/>
+              <a:rPr lang="ru-RU"/>
               <a:t>Третий уровень</a:t>
             </a:r>
           </a:p>
           <a:p>
             <a:pPr lvl="3"/>
             <a:r>
-              <a:rPr lang="ru-RU" smtClean="0"/>
+              <a:rPr lang="ru-RU"/>
               <a:t>Четвертый уровень</a:t>
             </a:r>
           </a:p>
           <a:p>
             <a:pPr lvl="4"/>
             <a:r>
-              <a:rPr lang="ru-RU" smtClean="0"/>
+              <a:rPr lang="ru-RU"/>
               <a:t>Пятый уровень</a:t>
             </a:r>
             <a:endParaRPr lang="en-US" dirty="0"/>
@@ -4280,7 +4284,7 @@
           <a:p>
             <a:pPr lvl="0"/>
             <a:r>
-              <a:rPr lang="ru-RU" smtClean="0"/>
+              <a:rPr lang="ru-RU"/>
               <a:t>Образец текста</a:t>
             </a:r>
           </a:p>
@@ -4303,7 +4307,7 @@
           <a:p>
             <a:fld id="{C4468F5C-618C-49E7-A9EA-6A3B5C3F1A53}" type="datetimeFigureOut">
               <a:rPr lang="ru-RU" smtClean="0"/>
-              <a:t>15.09.2020</a:t>
+              <a:t>28.09.2020</a:t>
             </a:fld>
             <a:endParaRPr lang="ru-RU"/>
           </a:p>
@@ -4408,7 +4412,7 @@
           </a:lstStyle>
           <a:p>
             <a:r>
-              <a:rPr lang="ru-RU" smtClean="0"/>
+              <a:rPr lang="ru-RU"/>
               <a:t>Образец заголовка</a:t>
             </a:r>
             <a:endParaRPr lang="en-US" dirty="0"/>
@@ -4475,7 +4479,7 @@
           </a:lstStyle>
           <a:p>
             <a:r>
-              <a:rPr lang="ru-RU" smtClean="0"/>
+              <a:rPr lang="ru-RU"/>
               <a:t>Вставка рисунка</a:t>
             </a:r>
             <a:endParaRPr lang="en-US" dirty="0"/>
@@ -4543,7 +4547,7 @@
           <a:p>
             <a:pPr lvl="0"/>
             <a:r>
-              <a:rPr lang="ru-RU" smtClean="0"/>
+              <a:rPr lang="ru-RU"/>
               <a:t>Образец текста</a:t>
             </a:r>
           </a:p>
@@ -4566,7 +4570,7 @@
           <a:p>
             <a:fld id="{C4468F5C-618C-49E7-A9EA-6A3B5C3F1A53}" type="datetimeFigureOut">
               <a:rPr lang="ru-RU" smtClean="0"/>
-              <a:t>15.09.2020</a:t>
+              <a:t>28.09.2020</a:t>
             </a:fld>
             <a:endParaRPr lang="ru-RU"/>
           </a:p>
@@ -5205,7 +5209,7 @@
           <a:lstStyle/>
           <a:p>
             <a:r>
-              <a:rPr lang="ru-RU" smtClean="0"/>
+              <a:rPr lang="ru-RU"/>
               <a:t>Образец заголовка</a:t>
             </a:r>
             <a:endParaRPr lang="en-US" dirty="0"/>
@@ -5239,35 +5243,35 @@
           <a:p>
             <a:pPr lvl="0"/>
             <a:r>
-              <a:rPr lang="ru-RU" smtClean="0"/>
+              <a:rPr lang="ru-RU"/>
               <a:t>Образец текста</a:t>
             </a:r>
           </a:p>
           <a:p>
             <a:pPr lvl="1"/>
             <a:r>
-              <a:rPr lang="ru-RU" smtClean="0"/>
+              <a:rPr lang="ru-RU"/>
               <a:t>Второй уровень</a:t>
             </a:r>
           </a:p>
           <a:p>
             <a:pPr lvl="2"/>
             <a:r>
-              <a:rPr lang="ru-RU" smtClean="0"/>
+              <a:rPr lang="ru-RU"/>
               <a:t>Третий уровень</a:t>
             </a:r>
           </a:p>
           <a:p>
             <a:pPr lvl="3"/>
             <a:r>
-              <a:rPr lang="ru-RU" smtClean="0"/>
+              <a:rPr lang="ru-RU"/>
               <a:t>Четвертый уровень</a:t>
             </a:r>
           </a:p>
           <a:p>
             <a:pPr lvl="4"/>
             <a:r>
-              <a:rPr lang="ru-RU" smtClean="0"/>
+              <a:rPr lang="ru-RU"/>
               <a:t>Пятый уровень</a:t>
             </a:r>
             <a:endParaRPr lang="en-US" dirty="0"/>
@@ -5309,7 +5313,7 @@
           <a:p>
             <a:fld id="{C4468F5C-618C-49E7-A9EA-6A3B5C3F1A53}" type="datetimeFigureOut">
               <a:rPr lang="ru-RU" smtClean="0"/>
-              <a:t>15.09.2020</a:t>
+              <a:t>28.09.2020</a:t>
             </a:fld>
             <a:endParaRPr lang="ru-RU"/>
           </a:p>
@@ -5941,10 +5945,9 @@
           <a:lstStyle/>
           <a:p>
             <a:r>
-              <a:rPr lang="ru-RU" dirty="0" smtClean="0"/>
+              <a:rPr lang="ru-RU" dirty="0"/>
               <a:t>Постановка задачи</a:t>
             </a:r>
-            <a:endParaRPr lang="ru-RU" dirty="0"/>
           </a:p>
         </p:txBody>
       </p:sp>
@@ -5967,37 +5970,13 @@
               <a:buNone/>
             </a:pPr>
             <a:r>
-              <a:rPr lang="ru-RU" dirty="0" smtClean="0"/>
-              <a:t>Создать простой и быстрый способ передачи денежных средств от человека к человеку</a:t>
+              <a:rPr lang="ru-RU"/>
+              <a:t>Создать простой и быстрый способ передачи денежных средств от человека к человеку, не нагруженный лишним и ненужным функционалом и сложной системой комиссий</a:t>
             </a:r>
             <a:endParaRPr lang="ru-RU" dirty="0"/>
           </a:p>
         </p:txBody>
       </p:sp>
-      <p:pic>
-        <p:nvPicPr>
-          <p:cNvPr id="4" name="Рисунок 3"/>
-          <p:cNvPicPr>
-            <a:picLocks noChangeAspect="1"/>
-          </p:cNvPicPr>
-          <p:nvPr/>
-        </p:nvPicPr>
-        <p:blipFill>
-          <a:blip r:embed="rId2"/>
-          <a:stretch>
-            <a:fillRect/>
-          </a:stretch>
-        </p:blipFill>
-        <p:spPr>
-          <a:xfrm>
-            <a:off x="0" y="0"/>
-            <a:ext cx="12191999" cy="6858000"/>
-          </a:xfrm>
-          <a:prstGeom prst="rect">
-            <a:avLst/>
-          </a:prstGeom>
-        </p:spPr>
-      </p:pic>
     </p:spTree>
     <p:extLst>
       <p:ext uri="{BB962C8B-B14F-4D97-AF65-F5344CB8AC3E}">
@@ -6044,10 +6023,9 @@
           <a:lstStyle/>
           <a:p>
             <a:r>
-              <a:rPr lang="ru-RU" dirty="0" smtClean="0"/>
+              <a:rPr lang="ru-RU" dirty="0"/>
               <a:t>Функционал сайта</a:t>
             </a:r>
-            <a:endParaRPr lang="ru-RU" dirty="0"/>
           </a:p>
         </p:txBody>
       </p:sp>
@@ -6072,13 +6050,13 @@
               <a:buNone/>
             </a:pPr>
             <a:r>
-              <a:rPr lang="ru-RU" i="1" dirty="0" smtClean="0"/>
+              <a:rPr lang="ru-RU" i="1" dirty="0"/>
               <a:t>Возможности администратора</a:t>
             </a:r>
           </a:p>
           <a:p>
             <a:r>
-              <a:rPr lang="ru-RU" dirty="0" smtClean="0"/>
+              <a:rPr lang="ru-RU" dirty="0"/>
               <a:t>Заморозка кошельков</a:t>
             </a:r>
           </a:p>
@@ -6087,35 +6065,31 @@
               <a:buNone/>
             </a:pPr>
             <a:r>
-              <a:rPr lang="ru-RU" i="1" dirty="0" smtClean="0"/>
+              <a:rPr lang="ru-RU" i="1" dirty="0"/>
               <a:t>Возможности пользователя</a:t>
             </a:r>
           </a:p>
           <a:p>
             <a:r>
-              <a:rPr lang="ru-RU" dirty="0" smtClean="0"/>
-              <a:t>Просмотр </a:t>
-            </a:r>
-            <a:r>
-              <a:rPr lang="ru-RU" dirty="0" smtClean="0"/>
-              <a:t>информационной части приложения</a:t>
-            </a:r>
-          </a:p>
-          <a:p>
-            <a:r>
-              <a:rPr lang="ru-RU" dirty="0" smtClean="0"/>
+              <a:rPr lang="ru-RU" dirty="0"/>
+              <a:t>Просмотр информационной части приложения</a:t>
+            </a:r>
+          </a:p>
+          <a:p>
+            <a:r>
+              <a:rPr lang="ru-RU" dirty="0"/>
               <a:t>Создание электронного кошелька</a:t>
             </a:r>
           </a:p>
           <a:p>
             <a:r>
-              <a:rPr lang="ru-RU" dirty="0" smtClean="0"/>
+              <a:rPr lang="ru-RU" dirty="0"/>
               <a:t>Пополнение баланса</a:t>
             </a:r>
           </a:p>
           <a:p>
             <a:r>
-              <a:rPr lang="ru-RU" dirty="0" smtClean="0"/>
+              <a:rPr lang="ru-RU" dirty="0"/>
               <a:t>Переводы на другие счета</a:t>
             </a:r>
           </a:p>
@@ -6124,30 +6098,29 @@
               <a:buNone/>
             </a:pPr>
             <a:r>
-              <a:rPr lang="ru-RU" i="1" dirty="0" smtClean="0"/>
+              <a:rPr lang="ru-RU" i="1" dirty="0"/>
               <a:t>Возможности гостя</a:t>
             </a:r>
           </a:p>
           <a:p>
             <a:r>
-              <a:rPr lang="ru-RU" dirty="0" smtClean="0"/>
+              <a:rPr lang="ru-RU" dirty="0"/>
               <a:t>Просмотр информационной части приложения</a:t>
             </a:r>
           </a:p>
           <a:p>
             <a:r>
-              <a:rPr lang="ru-RU" dirty="0" smtClean="0"/>
+              <a:rPr lang="ru-RU" dirty="0"/>
               <a:t>Авторизация</a:t>
             </a:r>
             <a:r>
-              <a:rPr lang="en-US" dirty="0" smtClean="0"/>
+              <a:rPr lang="en-US" dirty="0"/>
               <a:t>/</a:t>
             </a:r>
             <a:r>
-              <a:rPr lang="ru-RU" dirty="0" smtClean="0"/>
+              <a:rPr lang="ru-RU" dirty="0"/>
               <a:t>регистрация	</a:t>
             </a:r>
-            <a:endParaRPr lang="ru-RU" dirty="0"/>
           </a:p>
           <a:p>
             <a:endParaRPr lang="ru-RU" dirty="0"/>
@@ -6200,10 +6173,9 @@
           <a:lstStyle/>
           <a:p>
             <a:r>
-              <a:rPr lang="ru-RU" dirty="0" smtClean="0"/>
+              <a:rPr lang="ru-RU" dirty="0"/>
               <a:t>Продуктовые воронки</a:t>
             </a:r>
-            <a:endParaRPr lang="ru-RU" dirty="0"/>
           </a:p>
         </p:txBody>
       </p:sp>
@@ -6223,34 +6195,14 @@
           <a:lstStyle/>
           <a:p>
             <a:r>
-              <a:rPr lang="ru-RU" dirty="0" smtClean="0"/>
-              <a:t>Посетил </a:t>
-            </a:r>
-            <a:r>
               <a:rPr lang="ru-RU" dirty="0"/>
-              <a:t>главную страницу -&gt; </a:t>
-            </a:r>
-            <a:r>
-              <a:rPr lang="ru-RU" dirty="0" smtClean="0"/>
-              <a:t>Зарегистрировался </a:t>
-            </a:r>
+              <a:t>Посетил главную страницу -&gt; Зарегистрировался -&gt; пополнил баланс</a:t>
+            </a:r>
+          </a:p>
+          <a:p>
             <a:r>
               <a:rPr lang="ru-RU" dirty="0"/>
-              <a:t>-&gt; пополнил </a:t>
-            </a:r>
-            <a:r>
-              <a:rPr lang="ru-RU" dirty="0" smtClean="0"/>
-              <a:t>баланс</a:t>
-            </a:r>
-          </a:p>
-          <a:p>
-            <a:r>
-              <a:rPr lang="ru-RU" dirty="0" smtClean="0"/>
-              <a:t>Посетил </a:t>
-            </a:r>
-            <a:r>
-              <a:rPr lang="ru-RU" dirty="0"/>
-              <a:t>главную страницу -&gt; Авторизовался -&gt; перевел деньги</a:t>
+              <a:t>Посетил главную страницу -&gt; Авторизовался -&gt; перевел деньги</a:t>
             </a:r>
           </a:p>
           <a:p>
@@ -6310,10 +6262,9 @@
           <a:lstStyle/>
           <a:p>
             <a:r>
-              <a:rPr lang="ru-RU" dirty="0" smtClean="0"/>
+              <a:rPr lang="ru-RU" dirty="0"/>
               <a:t>Особенности проекта</a:t>
             </a:r>
-            <a:endParaRPr lang="ru-RU" dirty="0"/>
           </a:p>
         </p:txBody>
       </p:sp>
@@ -6333,27 +6284,27 @@
           <a:lstStyle/>
           <a:p>
             <a:r>
-              <a:rPr lang="ru-RU" dirty="0" smtClean="0"/>
+              <a:rPr lang="ru-RU" dirty="0"/>
               <a:t>Экономическая независимость проекта</a:t>
             </a:r>
           </a:p>
           <a:p>
             <a:r>
-              <a:rPr lang="ru-RU" dirty="0" smtClean="0"/>
+              <a:rPr lang="ru-RU" dirty="0"/>
               <a:t>Удобный и приятный дизайн</a:t>
             </a:r>
           </a:p>
           <a:p>
             <a:r>
-              <a:rPr lang="ru-RU" dirty="0" smtClean="0"/>
+              <a:rPr lang="ru-RU" dirty="0"/>
               <a:t>Отсутствие </a:t>
             </a:r>
             <a:r>
-              <a:rPr lang="ru-RU" dirty="0" err="1" smtClean="0"/>
+              <a:rPr lang="ru-RU" dirty="0" err="1"/>
               <a:t>нагруженности</a:t>
             </a:r>
             <a:r>
-              <a:rPr lang="ru-RU" dirty="0" smtClean="0"/>
+              <a:rPr lang="ru-RU" dirty="0"/>
               <a:t> ненужным и сложным функционалом</a:t>
             </a:r>
           </a:p>
@@ -6363,6 +6314,1827 @@
     <p:extLst>
       <p:ext uri="{BB962C8B-B14F-4D97-AF65-F5344CB8AC3E}">
         <p14:creationId xmlns:p14="http://schemas.microsoft.com/office/powerpoint/2010/main" val="3191475963"/>
+      </p:ext>
+    </p:extLst>
+  </p:cSld>
+  <p:clrMapOvr>
+    <a:masterClrMapping/>
+  </p:clrMapOvr>
+</p:sld>
+</file>
+
+<file path=ppt/slides/slide6.xml><?xml version="1.0" encoding="utf-8"?>
+<p:sld xmlns:a="http://schemas.openxmlformats.org/drawingml/2006/main" xmlns:r="http://schemas.openxmlformats.org/officeDocument/2006/relationships" xmlns:p="http://schemas.openxmlformats.org/presentationml/2006/main">
+  <p:cSld>
+    <p:bg>
+      <p:bgPr>
+        <a:solidFill>
+          <a:schemeClr val="bg1"/>
+        </a:solidFill>
+        <a:effectLst/>
+      </p:bgPr>
+    </p:bg>
+    <p:spTree>
+      <p:nvGrpSpPr>
+        <p:cNvPr id="1" name=""/>
+        <p:cNvGrpSpPr/>
+        <p:nvPr/>
+      </p:nvGrpSpPr>
+      <p:grpSpPr>
+        <a:xfrm>
+          <a:off x="0" y="0"/>
+          <a:ext cx="0" cy="0"/>
+          <a:chOff x="0" y="0"/>
+          <a:chExt cx="0" cy="0"/>
+        </a:xfrm>
+      </p:grpSpPr>
+      <p:grpSp>
+        <p:nvGrpSpPr>
+          <p:cNvPr id="10" name="Group 9">
+            <a:extLst>
+              <a:ext uri="{FF2B5EF4-FFF2-40B4-BE49-F238E27FC236}">
+                <a16:creationId xmlns:a16="http://schemas.microsoft.com/office/drawing/2014/main" id="{B4DE830A-B531-4A3B-96F6-0ECE88B08555}"/>
+              </a:ext>
+              <a:ext uri="{C183D7F6-B498-43B3-948B-1728B52AA6E4}">
+                <adec:decorative xmlns:adec="http://schemas.microsoft.com/office/drawing/2017/decorative" val="1"/>
+              </a:ext>
+            </a:extLst>
+          </p:cNvPr>
+          <p:cNvGrpSpPr>
+            <a:grpSpLocks noGrp="1" noUngrp="1" noRot="1" noChangeAspect="1" noMove="1" noResize="1"/>
+          </p:cNvGrpSpPr>
+          <p:nvPr>
+            <p:extLst>
+              <p:ext uri="{386F3935-93C4-4BCD-93E2-E3B085C9AB24}">
+                <p16:designElem xmlns:p16="http://schemas.microsoft.com/office/powerpoint/2015/main" val="1"/>
+              </p:ext>
+            </p:extLst>
+          </p:nvPr>
+        </p:nvGrpSpPr>
+        <p:grpSpPr>
+          <a:xfrm>
+            <a:off x="0" y="-8467"/>
+            <a:ext cx="12192000" cy="6866467"/>
+            <a:chOff x="0" y="-8467"/>
+            <a:chExt cx="12192000" cy="6866467"/>
+          </a:xfrm>
+        </p:grpSpPr>
+        <p:cxnSp>
+          <p:nvCxnSpPr>
+            <p:cNvPr id="11" name="Straight Connector 10">
+              <a:extLst>
+                <a:ext uri="{FF2B5EF4-FFF2-40B4-BE49-F238E27FC236}">
+                  <a16:creationId xmlns:a16="http://schemas.microsoft.com/office/drawing/2014/main" id="{2813DF2C-461A-4A8F-9679-A172790D1F3A}"/>
+                </a:ext>
+                <a:ext uri="{C183D7F6-B498-43B3-948B-1728B52AA6E4}">
+                  <adec:decorative xmlns:adec="http://schemas.microsoft.com/office/drawing/2017/decorative" val="1"/>
+                </a:ext>
+              </a:extLst>
+            </p:cNvPr>
+            <p:cNvCxnSpPr/>
+            <p:nvPr>
+              <p:extLst>
+                <p:ext uri="{386F3935-93C4-4BCD-93E2-E3B085C9AB24}">
+                  <p16:designElem xmlns:p16="http://schemas.microsoft.com/office/powerpoint/2015/main" val="1"/>
+                </p:ext>
+              </p:extLst>
+            </p:nvPr>
+          </p:nvCxnSpPr>
+          <p:spPr>
+            <a:xfrm>
+              <a:off x="9371012" y="0"/>
+              <a:ext cx="1219200" cy="6858000"/>
+            </a:xfrm>
+            <a:prstGeom prst="line">
+              <a:avLst/>
+            </a:prstGeom>
+            <a:ln w="9525">
+              <a:solidFill>
+                <a:schemeClr val="bg1">
+                  <a:lumMod val="75000"/>
+                </a:schemeClr>
+              </a:solidFill>
+            </a:ln>
+          </p:spPr>
+          <p:style>
+            <a:lnRef idx="2">
+              <a:schemeClr val="accent1"/>
+            </a:lnRef>
+            <a:fillRef idx="0">
+              <a:schemeClr val="accent1"/>
+            </a:fillRef>
+            <a:effectRef idx="1">
+              <a:schemeClr val="accent1"/>
+            </a:effectRef>
+            <a:fontRef idx="minor">
+              <a:schemeClr val="tx1"/>
+            </a:fontRef>
+          </p:style>
+        </p:cxnSp>
+        <p:cxnSp>
+          <p:nvCxnSpPr>
+            <p:cNvPr id="12" name="Straight Connector 11">
+              <a:extLst>
+                <a:ext uri="{FF2B5EF4-FFF2-40B4-BE49-F238E27FC236}">
+                  <a16:creationId xmlns:a16="http://schemas.microsoft.com/office/drawing/2014/main" id="{54CD3A85-C039-4249-86E4-1EB9318B5495}"/>
+                </a:ext>
+                <a:ext uri="{C183D7F6-B498-43B3-948B-1728B52AA6E4}">
+                  <adec:decorative xmlns:adec="http://schemas.microsoft.com/office/drawing/2017/decorative" val="1"/>
+                </a:ext>
+              </a:extLst>
+            </p:cNvPr>
+            <p:cNvCxnSpPr/>
+            <p:nvPr>
+              <p:extLst>
+                <p:ext uri="{386F3935-93C4-4BCD-93E2-E3B085C9AB24}">
+                  <p16:designElem xmlns:p16="http://schemas.microsoft.com/office/powerpoint/2015/main" val="1"/>
+                </p:ext>
+              </p:extLst>
+            </p:nvPr>
+          </p:nvCxnSpPr>
+          <p:spPr>
+            <a:xfrm flipH="1">
+              <a:off x="7425267" y="3681413"/>
+              <a:ext cx="4763558" cy="3176587"/>
+            </a:xfrm>
+            <a:prstGeom prst="line">
+              <a:avLst/>
+            </a:prstGeom>
+            <a:ln w="9525">
+              <a:solidFill>
+                <a:schemeClr val="bg1">
+                  <a:lumMod val="85000"/>
+                </a:schemeClr>
+              </a:solidFill>
+            </a:ln>
+          </p:spPr>
+          <p:style>
+            <a:lnRef idx="2">
+              <a:schemeClr val="accent1"/>
+            </a:lnRef>
+            <a:fillRef idx="0">
+              <a:schemeClr val="accent1"/>
+            </a:fillRef>
+            <a:effectRef idx="1">
+              <a:schemeClr val="accent1"/>
+            </a:effectRef>
+            <a:fontRef idx="minor">
+              <a:schemeClr val="tx1"/>
+            </a:fontRef>
+          </p:style>
+        </p:cxnSp>
+        <p:sp>
+          <p:nvSpPr>
+            <p:cNvPr id="13" name="Rectangle 23">
+              <a:extLst>
+                <a:ext uri="{FF2B5EF4-FFF2-40B4-BE49-F238E27FC236}">
+                  <a16:creationId xmlns:a16="http://schemas.microsoft.com/office/drawing/2014/main" id="{887EA6D2-2883-42C2-993D-094CA6D65DA3}"/>
+                </a:ext>
+                <a:ext uri="{C183D7F6-B498-43B3-948B-1728B52AA6E4}">
+                  <adec:decorative xmlns:adec="http://schemas.microsoft.com/office/drawing/2017/decorative" val="1"/>
+                </a:ext>
+              </a:extLst>
+            </p:cNvPr>
+            <p:cNvSpPr/>
+            <p:nvPr>
+              <p:extLst>
+                <p:ext uri="{386F3935-93C4-4BCD-93E2-E3B085C9AB24}">
+                  <p16:designElem xmlns:p16="http://schemas.microsoft.com/office/powerpoint/2015/main" val="1"/>
+                </p:ext>
+              </p:extLst>
+            </p:nvPr>
+          </p:nvSpPr>
+          <p:spPr>
+            <a:xfrm>
+              <a:off x="9181476" y="-8467"/>
+              <a:ext cx="3007349" cy="6866467"/>
+            </a:xfrm>
+            <a:custGeom>
+              <a:avLst/>
+              <a:gdLst/>
+              <a:ahLst/>
+              <a:cxnLst/>
+              <a:rect l="l" t="t" r="r" b="b"/>
+              <a:pathLst>
+                <a:path w="3007349" h="6866467">
+                  <a:moveTo>
+                    <a:pt x="2045532" y="0"/>
+                  </a:moveTo>
+                  <a:lnTo>
+                    <a:pt x="3007349" y="0"/>
+                  </a:lnTo>
+                  <a:lnTo>
+                    <a:pt x="3007349" y="6866467"/>
+                  </a:lnTo>
+                  <a:lnTo>
+                    <a:pt x="0" y="6866467"/>
+                  </a:lnTo>
+                  <a:lnTo>
+                    <a:pt x="2045532" y="0"/>
+                  </a:lnTo>
+                  <a:close/>
+                </a:path>
+              </a:pathLst>
+            </a:custGeom>
+            <a:solidFill>
+              <a:schemeClr val="accent1">
+                <a:alpha val="30000"/>
+              </a:schemeClr>
+            </a:solidFill>
+            <a:ln>
+              <a:noFill/>
+            </a:ln>
+            <a:effectLst/>
+          </p:spPr>
+          <p:style>
+            <a:lnRef idx="1">
+              <a:schemeClr val="accent1"/>
+            </a:lnRef>
+            <a:fillRef idx="3">
+              <a:schemeClr val="accent1"/>
+            </a:fillRef>
+            <a:effectRef idx="2">
+              <a:schemeClr val="accent1"/>
+            </a:effectRef>
+            <a:fontRef idx="minor">
+              <a:schemeClr val="lt1"/>
+            </a:fontRef>
+          </p:style>
+        </p:sp>
+        <p:sp>
+          <p:nvSpPr>
+            <p:cNvPr id="14" name="Rectangle 25">
+              <a:extLst>
+                <a:ext uri="{FF2B5EF4-FFF2-40B4-BE49-F238E27FC236}">
+                  <a16:creationId xmlns:a16="http://schemas.microsoft.com/office/drawing/2014/main" id="{3B895046-636F-4D1B-ACA4-29AA0CB3329F}"/>
+                </a:ext>
+                <a:ext uri="{C183D7F6-B498-43B3-948B-1728B52AA6E4}">
+                  <adec:decorative xmlns:adec="http://schemas.microsoft.com/office/drawing/2017/decorative" val="1"/>
+                </a:ext>
+              </a:extLst>
+            </p:cNvPr>
+            <p:cNvSpPr/>
+            <p:nvPr>
+              <p:extLst>
+                <p:ext uri="{386F3935-93C4-4BCD-93E2-E3B085C9AB24}">
+                  <p16:designElem xmlns:p16="http://schemas.microsoft.com/office/powerpoint/2015/main" val="1"/>
+                </p:ext>
+              </p:extLst>
+            </p:nvPr>
+          </p:nvSpPr>
+          <p:spPr>
+            <a:xfrm>
+              <a:off x="9603442" y="-8467"/>
+              <a:ext cx="2588558" cy="6866467"/>
+            </a:xfrm>
+            <a:custGeom>
+              <a:avLst/>
+              <a:gdLst/>
+              <a:ahLst/>
+              <a:cxnLst/>
+              <a:rect l="l" t="t" r="r" b="b"/>
+              <a:pathLst>
+                <a:path w="2573311" h="6866467">
+                  <a:moveTo>
+                    <a:pt x="0" y="0"/>
+                  </a:moveTo>
+                  <a:lnTo>
+                    <a:pt x="2573311" y="0"/>
+                  </a:lnTo>
+                  <a:lnTo>
+                    <a:pt x="2573311" y="6866467"/>
+                  </a:lnTo>
+                  <a:lnTo>
+                    <a:pt x="1202336" y="6866467"/>
+                  </a:lnTo>
+                  <a:lnTo>
+                    <a:pt x="0" y="0"/>
+                  </a:lnTo>
+                  <a:close/>
+                </a:path>
+              </a:pathLst>
+            </a:custGeom>
+            <a:solidFill>
+              <a:schemeClr val="accent1">
+                <a:alpha val="20000"/>
+              </a:schemeClr>
+            </a:solidFill>
+            <a:ln>
+              <a:noFill/>
+            </a:ln>
+            <a:effectLst/>
+          </p:spPr>
+          <p:style>
+            <a:lnRef idx="1">
+              <a:schemeClr val="accent1"/>
+            </a:lnRef>
+            <a:fillRef idx="3">
+              <a:schemeClr val="accent1"/>
+            </a:fillRef>
+            <a:effectRef idx="2">
+              <a:schemeClr val="accent1"/>
+            </a:effectRef>
+            <a:fontRef idx="minor">
+              <a:schemeClr val="lt1"/>
+            </a:fontRef>
+          </p:style>
+        </p:sp>
+        <p:sp>
+          <p:nvSpPr>
+            <p:cNvPr id="15" name="Isosceles Triangle 14">
+              <a:extLst>
+                <a:ext uri="{FF2B5EF4-FFF2-40B4-BE49-F238E27FC236}">
+                  <a16:creationId xmlns:a16="http://schemas.microsoft.com/office/drawing/2014/main" id="{C6B0CDE3-E054-4EDD-A43B-F96843D8BF51}"/>
+                </a:ext>
+                <a:ext uri="{C183D7F6-B498-43B3-948B-1728B52AA6E4}">
+                  <adec:decorative xmlns:adec="http://schemas.microsoft.com/office/drawing/2017/decorative" val="1"/>
+                </a:ext>
+              </a:extLst>
+            </p:cNvPr>
+            <p:cNvSpPr/>
+            <p:nvPr>
+              <p:extLst>
+                <p:ext uri="{386F3935-93C4-4BCD-93E2-E3B085C9AB24}">
+                  <p16:designElem xmlns:p16="http://schemas.microsoft.com/office/powerpoint/2015/main" val="1"/>
+                </p:ext>
+              </p:extLst>
+            </p:nvPr>
+          </p:nvSpPr>
+          <p:spPr>
+            <a:xfrm>
+              <a:off x="8932333" y="3048000"/>
+              <a:ext cx="3259667" cy="3810000"/>
+            </a:xfrm>
+            <a:prstGeom prst="triangle">
+              <a:avLst>
+                <a:gd name="adj" fmla="val 100000"/>
+              </a:avLst>
+            </a:prstGeom>
+            <a:solidFill>
+              <a:schemeClr val="accent2">
+                <a:alpha val="72000"/>
+              </a:schemeClr>
+            </a:solidFill>
+            <a:ln>
+              <a:noFill/>
+            </a:ln>
+            <a:effectLst/>
+          </p:spPr>
+          <p:style>
+            <a:lnRef idx="1">
+              <a:schemeClr val="accent1"/>
+            </a:lnRef>
+            <a:fillRef idx="3">
+              <a:schemeClr val="accent1"/>
+            </a:fillRef>
+            <a:effectRef idx="2">
+              <a:schemeClr val="accent1"/>
+            </a:effectRef>
+            <a:fontRef idx="minor">
+              <a:schemeClr val="lt1"/>
+            </a:fontRef>
+          </p:style>
+        </p:sp>
+        <p:sp>
+          <p:nvSpPr>
+            <p:cNvPr id="16" name="Rectangle 27">
+              <a:extLst>
+                <a:ext uri="{FF2B5EF4-FFF2-40B4-BE49-F238E27FC236}">
+                  <a16:creationId xmlns:a16="http://schemas.microsoft.com/office/drawing/2014/main" id="{3B66B1A2-F145-4C9B-85CC-4BF30D58CBC5}"/>
+                </a:ext>
+                <a:ext uri="{C183D7F6-B498-43B3-948B-1728B52AA6E4}">
+                  <adec:decorative xmlns:adec="http://schemas.microsoft.com/office/drawing/2017/decorative" val="1"/>
+                </a:ext>
+              </a:extLst>
+            </p:cNvPr>
+            <p:cNvSpPr/>
+            <p:nvPr>
+              <p:extLst>
+                <p:ext uri="{386F3935-93C4-4BCD-93E2-E3B085C9AB24}">
+                  <p16:designElem xmlns:p16="http://schemas.microsoft.com/office/powerpoint/2015/main" val="1"/>
+                </p:ext>
+              </p:extLst>
+            </p:nvPr>
+          </p:nvSpPr>
+          <p:spPr>
+            <a:xfrm>
+              <a:off x="9334500" y="-8467"/>
+              <a:ext cx="2854326" cy="6866467"/>
+            </a:xfrm>
+            <a:custGeom>
+              <a:avLst/>
+              <a:gdLst/>
+              <a:ahLst/>
+              <a:cxnLst/>
+              <a:rect l="l" t="t" r="r" b="b"/>
+              <a:pathLst>
+                <a:path w="2858013" h="6866467">
+                  <a:moveTo>
+                    <a:pt x="0" y="0"/>
+                  </a:moveTo>
+                  <a:lnTo>
+                    <a:pt x="2858013" y="0"/>
+                  </a:lnTo>
+                  <a:lnTo>
+                    <a:pt x="2858013" y="6866467"/>
+                  </a:lnTo>
+                  <a:lnTo>
+                    <a:pt x="2473942" y="6866467"/>
+                  </a:lnTo>
+                  <a:lnTo>
+                    <a:pt x="0" y="0"/>
+                  </a:lnTo>
+                  <a:close/>
+                </a:path>
+              </a:pathLst>
+            </a:custGeom>
+            <a:solidFill>
+              <a:schemeClr val="accent2">
+                <a:lumMod val="75000"/>
+                <a:alpha val="70000"/>
+              </a:schemeClr>
+            </a:solidFill>
+            <a:ln>
+              <a:noFill/>
+            </a:ln>
+            <a:effectLst/>
+          </p:spPr>
+          <p:style>
+            <a:lnRef idx="1">
+              <a:schemeClr val="accent1"/>
+            </a:lnRef>
+            <a:fillRef idx="3">
+              <a:schemeClr val="accent1"/>
+            </a:fillRef>
+            <a:effectRef idx="2">
+              <a:schemeClr val="accent1"/>
+            </a:effectRef>
+            <a:fontRef idx="minor">
+              <a:schemeClr val="lt1"/>
+            </a:fontRef>
+          </p:style>
+        </p:sp>
+        <p:sp>
+          <p:nvSpPr>
+            <p:cNvPr id="17" name="Rectangle 28">
+              <a:extLst>
+                <a:ext uri="{FF2B5EF4-FFF2-40B4-BE49-F238E27FC236}">
+                  <a16:creationId xmlns:a16="http://schemas.microsoft.com/office/drawing/2014/main" id="{5D4FC972-94B3-4035-8D31-E668C132B411}"/>
+                </a:ext>
+                <a:ext uri="{C183D7F6-B498-43B3-948B-1728B52AA6E4}">
+                  <adec:decorative xmlns:adec="http://schemas.microsoft.com/office/drawing/2017/decorative" val="1"/>
+                </a:ext>
+              </a:extLst>
+            </p:cNvPr>
+            <p:cNvSpPr/>
+            <p:nvPr>
+              <p:extLst>
+                <p:ext uri="{386F3935-93C4-4BCD-93E2-E3B085C9AB24}">
+                  <p16:designElem xmlns:p16="http://schemas.microsoft.com/office/powerpoint/2015/main" val="1"/>
+                </p:ext>
+              </p:extLst>
+            </p:nvPr>
+          </p:nvSpPr>
+          <p:spPr>
+            <a:xfrm>
+              <a:off x="10898730" y="-8467"/>
+              <a:ext cx="1290094" cy="6866467"/>
+            </a:xfrm>
+            <a:custGeom>
+              <a:avLst/>
+              <a:gdLst/>
+              <a:ahLst/>
+              <a:cxnLst/>
+              <a:rect l="l" t="t" r="r" b="b"/>
+              <a:pathLst>
+                <a:path w="1290094" h="6858000">
+                  <a:moveTo>
+                    <a:pt x="1019735" y="0"/>
+                  </a:moveTo>
+                  <a:lnTo>
+                    <a:pt x="1290094" y="0"/>
+                  </a:lnTo>
+                  <a:lnTo>
+                    <a:pt x="1290094" y="6858000"/>
+                  </a:lnTo>
+                  <a:lnTo>
+                    <a:pt x="0" y="6858000"/>
+                  </a:lnTo>
+                  <a:lnTo>
+                    <a:pt x="1019735" y="0"/>
+                  </a:lnTo>
+                  <a:close/>
+                </a:path>
+              </a:pathLst>
+            </a:custGeom>
+            <a:solidFill>
+              <a:schemeClr val="accent1">
+                <a:lumMod val="60000"/>
+                <a:lumOff val="40000"/>
+                <a:alpha val="70000"/>
+              </a:schemeClr>
+            </a:solidFill>
+            <a:ln>
+              <a:noFill/>
+            </a:ln>
+            <a:effectLst/>
+          </p:spPr>
+          <p:style>
+            <a:lnRef idx="1">
+              <a:schemeClr val="accent1"/>
+            </a:lnRef>
+            <a:fillRef idx="3">
+              <a:schemeClr val="accent1"/>
+            </a:fillRef>
+            <a:effectRef idx="2">
+              <a:schemeClr val="accent1"/>
+            </a:effectRef>
+            <a:fontRef idx="minor">
+              <a:schemeClr val="lt1"/>
+            </a:fontRef>
+          </p:style>
+        </p:sp>
+        <p:sp>
+          <p:nvSpPr>
+            <p:cNvPr id="18" name="Rectangle 29">
+              <a:extLst>
+                <a:ext uri="{FF2B5EF4-FFF2-40B4-BE49-F238E27FC236}">
+                  <a16:creationId xmlns:a16="http://schemas.microsoft.com/office/drawing/2014/main" id="{374B9941-AFBE-4A77-A50E-B6EA04A746AE}"/>
+                </a:ext>
+                <a:ext uri="{C183D7F6-B498-43B3-948B-1728B52AA6E4}">
+                  <adec:decorative xmlns:adec="http://schemas.microsoft.com/office/drawing/2017/decorative" val="1"/>
+                </a:ext>
+              </a:extLst>
+            </p:cNvPr>
+            <p:cNvSpPr/>
+            <p:nvPr>
+              <p:extLst>
+                <p:ext uri="{386F3935-93C4-4BCD-93E2-E3B085C9AB24}">
+                  <p16:designElem xmlns:p16="http://schemas.microsoft.com/office/powerpoint/2015/main" val="1"/>
+                </p:ext>
+              </p:extLst>
+            </p:nvPr>
+          </p:nvSpPr>
+          <p:spPr>
+            <a:xfrm>
+              <a:off x="10938999" y="-8467"/>
+              <a:ext cx="1249825" cy="6866467"/>
+            </a:xfrm>
+            <a:custGeom>
+              <a:avLst/>
+              <a:gdLst/>
+              <a:ahLst/>
+              <a:cxnLst/>
+              <a:rect l="l" t="t" r="r" b="b"/>
+              <a:pathLst>
+                <a:path w="1249825" h="6858000">
+                  <a:moveTo>
+                    <a:pt x="0" y="0"/>
+                  </a:moveTo>
+                  <a:lnTo>
+                    <a:pt x="1249825" y="0"/>
+                  </a:lnTo>
+                  <a:lnTo>
+                    <a:pt x="1249825" y="6858000"/>
+                  </a:lnTo>
+                  <a:lnTo>
+                    <a:pt x="1109382" y="6858000"/>
+                  </a:lnTo>
+                  <a:lnTo>
+                    <a:pt x="0" y="0"/>
+                  </a:lnTo>
+                  <a:close/>
+                </a:path>
+              </a:pathLst>
+            </a:custGeom>
+            <a:solidFill>
+              <a:schemeClr val="accent1">
+                <a:alpha val="65000"/>
+              </a:schemeClr>
+            </a:solidFill>
+            <a:ln>
+              <a:noFill/>
+            </a:ln>
+            <a:effectLst/>
+          </p:spPr>
+          <p:style>
+            <a:lnRef idx="1">
+              <a:schemeClr val="accent1"/>
+            </a:lnRef>
+            <a:fillRef idx="3">
+              <a:schemeClr val="accent1"/>
+            </a:fillRef>
+            <a:effectRef idx="2">
+              <a:schemeClr val="accent1"/>
+            </a:effectRef>
+            <a:fontRef idx="minor">
+              <a:schemeClr val="lt1"/>
+            </a:fontRef>
+          </p:style>
+        </p:sp>
+        <p:sp>
+          <p:nvSpPr>
+            <p:cNvPr id="19" name="Isosceles Triangle 18">
+              <a:extLst>
+                <a:ext uri="{FF2B5EF4-FFF2-40B4-BE49-F238E27FC236}">
+                  <a16:creationId xmlns:a16="http://schemas.microsoft.com/office/drawing/2014/main" id="{27A982C5-2C38-4CE9-BC18-94697AD657FB}"/>
+                </a:ext>
+                <a:ext uri="{C183D7F6-B498-43B3-948B-1728B52AA6E4}">
+                  <adec:decorative xmlns:adec="http://schemas.microsoft.com/office/drawing/2017/decorative" val="1"/>
+                </a:ext>
+              </a:extLst>
+            </p:cNvPr>
+            <p:cNvSpPr/>
+            <p:nvPr>
+              <p:extLst>
+                <p:ext uri="{386F3935-93C4-4BCD-93E2-E3B085C9AB24}">
+                  <p16:designElem xmlns:p16="http://schemas.microsoft.com/office/powerpoint/2015/main" val="1"/>
+                </p:ext>
+              </p:extLst>
+            </p:nvPr>
+          </p:nvSpPr>
+          <p:spPr>
+            <a:xfrm>
+              <a:off x="10371666" y="3589867"/>
+              <a:ext cx="1817159" cy="3268133"/>
+            </a:xfrm>
+            <a:prstGeom prst="triangle">
+              <a:avLst>
+                <a:gd name="adj" fmla="val 100000"/>
+              </a:avLst>
+            </a:prstGeom>
+            <a:solidFill>
+              <a:schemeClr val="accent1">
+                <a:alpha val="80000"/>
+              </a:schemeClr>
+            </a:solidFill>
+            <a:ln>
+              <a:noFill/>
+            </a:ln>
+            <a:effectLst/>
+          </p:spPr>
+          <p:style>
+            <a:lnRef idx="1">
+              <a:schemeClr val="accent1"/>
+            </a:lnRef>
+            <a:fillRef idx="3">
+              <a:schemeClr val="accent1"/>
+            </a:fillRef>
+            <a:effectRef idx="2">
+              <a:schemeClr val="accent1"/>
+            </a:effectRef>
+            <a:fontRef idx="minor">
+              <a:schemeClr val="lt1"/>
+            </a:fontRef>
+          </p:style>
+        </p:sp>
+        <p:sp>
+          <p:nvSpPr>
+            <p:cNvPr id="20" name="Isosceles Triangle 19">
+              <a:extLst>
+                <a:ext uri="{FF2B5EF4-FFF2-40B4-BE49-F238E27FC236}">
+                  <a16:creationId xmlns:a16="http://schemas.microsoft.com/office/drawing/2014/main" id="{0060D8D1-7BB1-498F-AFBB-ADAC130A9E90}"/>
+                </a:ext>
+                <a:ext uri="{C183D7F6-B498-43B3-948B-1728B52AA6E4}">
+                  <adec:decorative xmlns:adec="http://schemas.microsoft.com/office/drawing/2017/decorative" val="1"/>
+                </a:ext>
+              </a:extLst>
+            </p:cNvPr>
+            <p:cNvSpPr/>
+            <p:nvPr>
+              <p:extLst>
+                <p:ext uri="{386F3935-93C4-4BCD-93E2-E3B085C9AB24}">
+                  <p16:designElem xmlns:p16="http://schemas.microsoft.com/office/powerpoint/2015/main" val="1"/>
+                </p:ext>
+              </p:extLst>
+            </p:nvPr>
+          </p:nvSpPr>
+          <p:spPr>
+            <a:xfrm rot="10800000">
+              <a:off x="0" y="0"/>
+              <a:ext cx="842596" cy="5666154"/>
+            </a:xfrm>
+            <a:prstGeom prst="triangle">
+              <a:avLst>
+                <a:gd name="adj" fmla="val 100000"/>
+              </a:avLst>
+            </a:prstGeom>
+            <a:solidFill>
+              <a:schemeClr val="accent1">
+                <a:alpha val="85000"/>
+              </a:schemeClr>
+            </a:solidFill>
+            <a:ln>
+              <a:noFill/>
+            </a:ln>
+            <a:effectLst/>
+          </p:spPr>
+          <p:style>
+            <a:lnRef idx="1">
+              <a:schemeClr val="accent1"/>
+            </a:lnRef>
+            <a:fillRef idx="3">
+              <a:schemeClr val="accent1"/>
+            </a:fillRef>
+            <a:effectRef idx="2">
+              <a:schemeClr val="accent1"/>
+            </a:effectRef>
+            <a:fontRef idx="minor">
+              <a:schemeClr val="lt1"/>
+            </a:fontRef>
+          </p:style>
+        </p:sp>
+      </p:grpSp>
+      <p:sp>
+        <p:nvSpPr>
+          <p:cNvPr id="2" name="Заголовок 1">
+            <a:extLst>
+              <a:ext uri="{FF2B5EF4-FFF2-40B4-BE49-F238E27FC236}">
+                <a16:creationId xmlns:a16="http://schemas.microsoft.com/office/drawing/2014/main" id="{67F126DC-015C-4855-A2BD-E113AC2CBBE9}"/>
+              </a:ext>
+            </a:extLst>
+          </p:cNvPr>
+          <p:cNvSpPr>
+            <a:spLocks noGrp="1"/>
+          </p:cNvSpPr>
+          <p:nvPr>
+            <p:ph type="title"/>
+          </p:nvPr>
+        </p:nvSpPr>
+        <p:spPr>
+          <a:xfrm>
+            <a:off x="985969" y="4553712"/>
+            <a:ext cx="8288032" cy="1096316"/>
+          </a:xfrm>
+        </p:spPr>
+        <p:txBody>
+          <a:bodyPr vert="horz" lIns="91440" tIns="45720" rIns="91440" bIns="45720" rtlCol="0" anchor="b">
+            <a:normAutofit/>
+          </a:bodyPr>
+          <a:lstStyle/>
+          <a:p>
+            <a:pPr algn="ctr"/>
+            <a:r>
+              <a:rPr lang="en-US" sz="4800" kern="1200">
+                <a:solidFill>
+                  <a:schemeClr val="accent1"/>
+                </a:solidFill>
+                <a:latin typeface="+mj-lt"/>
+                <a:ea typeface="+mj-ea"/>
+                <a:cs typeface="+mj-cs"/>
+              </a:rPr>
+              <a:t>Интерфейс сайта</a:t>
+            </a:r>
+          </a:p>
+        </p:txBody>
+      </p:sp>
+      <p:pic>
+        <p:nvPicPr>
+          <p:cNvPr id="5" name="Объект 4">
+            <a:extLst>
+              <a:ext uri="{FF2B5EF4-FFF2-40B4-BE49-F238E27FC236}">
+                <a16:creationId xmlns:a16="http://schemas.microsoft.com/office/drawing/2014/main" id="{75713918-61D2-4E10-8786-405CD3DA140F}"/>
+              </a:ext>
+            </a:extLst>
+          </p:cNvPr>
+          <p:cNvPicPr>
+            <a:picLocks noGrp="1" noChangeAspect="1"/>
+          </p:cNvPicPr>
+          <p:nvPr>
+            <p:ph idx="1"/>
+          </p:nvPr>
+        </p:nvPicPr>
+        <p:blipFill>
+          <a:blip r:embed="rId2"/>
+          <a:stretch>
+            <a:fillRect/>
+          </a:stretch>
+        </p:blipFill>
+        <p:spPr>
+          <a:xfrm>
+            <a:off x="703087" y="787785"/>
+            <a:ext cx="9284467" cy="3644153"/>
+          </a:xfrm>
+          <a:prstGeom prst="rect">
+            <a:avLst/>
+          </a:prstGeom>
+        </p:spPr>
+      </p:pic>
+    </p:spTree>
+    <p:extLst>
+      <p:ext uri="{BB962C8B-B14F-4D97-AF65-F5344CB8AC3E}">
+        <p14:creationId xmlns:p14="http://schemas.microsoft.com/office/powerpoint/2010/main" val="3463496610"/>
+      </p:ext>
+    </p:extLst>
+  </p:cSld>
+  <p:clrMapOvr>
+    <a:masterClrMapping/>
+  </p:clrMapOvr>
+</p:sld>
+</file>
+
+<file path=ppt/slides/slide7.xml><?xml version="1.0" encoding="utf-8"?>
+<p:sld xmlns:a="http://schemas.openxmlformats.org/drawingml/2006/main" xmlns:r="http://schemas.openxmlformats.org/officeDocument/2006/relationships" xmlns:p="http://schemas.openxmlformats.org/presentationml/2006/main">
+  <p:cSld>
+    <p:spTree>
+      <p:nvGrpSpPr>
+        <p:cNvPr id="1" name=""/>
+        <p:cNvGrpSpPr/>
+        <p:nvPr/>
+      </p:nvGrpSpPr>
+      <p:grpSpPr>
+        <a:xfrm>
+          <a:off x="0" y="0"/>
+          <a:ext cx="0" cy="0"/>
+          <a:chOff x="0" y="0"/>
+          <a:chExt cx="0" cy="0"/>
+        </a:xfrm>
+      </p:grpSpPr>
+      <p:sp>
+        <p:nvSpPr>
+          <p:cNvPr id="2" name="Заголовок 1">
+            <a:extLst>
+              <a:ext uri="{FF2B5EF4-FFF2-40B4-BE49-F238E27FC236}">
+                <a16:creationId xmlns:a16="http://schemas.microsoft.com/office/drawing/2014/main" id="{0526C16F-EF52-422B-8719-EB0836066183}"/>
+              </a:ext>
+            </a:extLst>
+          </p:cNvPr>
+          <p:cNvSpPr>
+            <a:spLocks noGrp="1"/>
+          </p:cNvSpPr>
+          <p:nvPr>
+            <p:ph type="title"/>
+          </p:nvPr>
+        </p:nvSpPr>
+        <p:spPr/>
+        <p:txBody>
+          <a:bodyPr/>
+          <a:lstStyle/>
+          <a:p>
+            <a:r>
+              <a:rPr lang="ru-RU"/>
+              <a:t>Интерфейс сайта</a:t>
+            </a:r>
+            <a:endParaRPr lang="ru-RU" dirty="0"/>
+          </a:p>
+        </p:txBody>
+      </p:sp>
+      <p:sp>
+        <p:nvSpPr>
+          <p:cNvPr id="3" name="Объект 2">
+            <a:extLst>
+              <a:ext uri="{FF2B5EF4-FFF2-40B4-BE49-F238E27FC236}">
+                <a16:creationId xmlns:a16="http://schemas.microsoft.com/office/drawing/2014/main" id="{FB745694-EEF4-422C-9057-0BB293B4F57E}"/>
+              </a:ext>
+            </a:extLst>
+          </p:cNvPr>
+          <p:cNvSpPr>
+            <a:spLocks noGrp="1"/>
+          </p:cNvSpPr>
+          <p:nvPr>
+            <p:ph idx="1"/>
+          </p:nvPr>
+        </p:nvSpPr>
+        <p:spPr/>
+        <p:txBody>
+          <a:bodyPr/>
+          <a:lstStyle/>
+          <a:p>
+            <a:endParaRPr lang="ru-RU"/>
+          </a:p>
+        </p:txBody>
+      </p:sp>
+      <p:pic>
+        <p:nvPicPr>
+          <p:cNvPr id="7" name="Рисунок 6">
+            <a:extLst>
+              <a:ext uri="{FF2B5EF4-FFF2-40B4-BE49-F238E27FC236}">
+                <a16:creationId xmlns:a16="http://schemas.microsoft.com/office/drawing/2014/main" id="{52ED8B59-6744-45DF-B457-8A392E514D58}"/>
+              </a:ext>
+            </a:extLst>
+          </p:cNvPr>
+          <p:cNvPicPr>
+            <a:picLocks noChangeAspect="1"/>
+          </p:cNvPicPr>
+          <p:nvPr/>
+        </p:nvPicPr>
+        <p:blipFill>
+          <a:blip r:embed="rId2"/>
+          <a:stretch>
+            <a:fillRect/>
+          </a:stretch>
+        </p:blipFill>
+        <p:spPr>
+          <a:xfrm>
+            <a:off x="0" y="1575766"/>
+            <a:ext cx="12192000" cy="4819650"/>
+          </a:xfrm>
+          <a:prstGeom prst="rect">
+            <a:avLst/>
+          </a:prstGeom>
+        </p:spPr>
+      </p:pic>
+    </p:spTree>
+    <p:extLst>
+      <p:ext uri="{BB962C8B-B14F-4D97-AF65-F5344CB8AC3E}">
+        <p14:creationId xmlns:p14="http://schemas.microsoft.com/office/powerpoint/2010/main" val="124181363"/>
+      </p:ext>
+    </p:extLst>
+  </p:cSld>
+  <p:clrMapOvr>
+    <a:masterClrMapping/>
+  </p:clrMapOvr>
+</p:sld>
+</file>
+
+<file path=ppt/slides/slide8.xml><?xml version="1.0" encoding="utf-8"?>
+<p:sld xmlns:a="http://schemas.openxmlformats.org/drawingml/2006/main" xmlns:r="http://schemas.openxmlformats.org/officeDocument/2006/relationships" xmlns:p="http://schemas.openxmlformats.org/presentationml/2006/main">
+  <p:cSld>
+    <p:spTree>
+      <p:nvGrpSpPr>
+        <p:cNvPr id="1" name=""/>
+        <p:cNvGrpSpPr/>
+        <p:nvPr/>
+      </p:nvGrpSpPr>
+      <p:grpSpPr>
+        <a:xfrm>
+          <a:off x="0" y="0"/>
+          <a:ext cx="0" cy="0"/>
+          <a:chOff x="0" y="0"/>
+          <a:chExt cx="0" cy="0"/>
+        </a:xfrm>
+      </p:grpSpPr>
+      <p:sp>
+        <p:nvSpPr>
+          <p:cNvPr id="2" name="Заголовок 1">
+            <a:extLst>
+              <a:ext uri="{FF2B5EF4-FFF2-40B4-BE49-F238E27FC236}">
+                <a16:creationId xmlns:a16="http://schemas.microsoft.com/office/drawing/2014/main" id="{EF81384D-EC30-4794-BD02-96B94E2AA6C2}"/>
+              </a:ext>
+            </a:extLst>
+          </p:cNvPr>
+          <p:cNvSpPr>
+            <a:spLocks noGrp="1"/>
+          </p:cNvSpPr>
+          <p:nvPr>
+            <p:ph type="title"/>
+          </p:nvPr>
+        </p:nvSpPr>
+        <p:spPr/>
+        <p:txBody>
+          <a:bodyPr/>
+          <a:lstStyle/>
+          <a:p>
+            <a:r>
+              <a:rPr lang="ru-RU" dirty="0"/>
+              <a:t>Интерфейс сайта</a:t>
+            </a:r>
+          </a:p>
+        </p:txBody>
+      </p:sp>
+      <p:sp>
+        <p:nvSpPr>
+          <p:cNvPr id="3" name="Объект 2">
+            <a:extLst>
+              <a:ext uri="{FF2B5EF4-FFF2-40B4-BE49-F238E27FC236}">
+                <a16:creationId xmlns:a16="http://schemas.microsoft.com/office/drawing/2014/main" id="{CF2CAC71-7A80-4E0D-994E-9A99A1BBD2E0}"/>
+              </a:ext>
+            </a:extLst>
+          </p:cNvPr>
+          <p:cNvSpPr>
+            <a:spLocks noGrp="1"/>
+          </p:cNvSpPr>
+          <p:nvPr>
+            <p:ph idx="1"/>
+          </p:nvPr>
+        </p:nvSpPr>
+        <p:spPr/>
+        <p:txBody>
+          <a:bodyPr/>
+          <a:lstStyle/>
+          <a:p>
+            <a:endParaRPr lang="ru-RU"/>
+          </a:p>
+        </p:txBody>
+      </p:sp>
+      <p:pic>
+        <p:nvPicPr>
+          <p:cNvPr id="5" name="Рисунок 4">
+            <a:extLst>
+              <a:ext uri="{FF2B5EF4-FFF2-40B4-BE49-F238E27FC236}">
+                <a16:creationId xmlns:a16="http://schemas.microsoft.com/office/drawing/2014/main" id="{CB598A5D-06A4-44B3-87DA-50EEDD1A1472}"/>
+              </a:ext>
+            </a:extLst>
+          </p:cNvPr>
+          <p:cNvPicPr>
+            <a:picLocks noChangeAspect="1"/>
+          </p:cNvPicPr>
+          <p:nvPr/>
+        </p:nvPicPr>
+        <p:blipFill>
+          <a:blip r:embed="rId2"/>
+          <a:stretch>
+            <a:fillRect/>
+          </a:stretch>
+        </p:blipFill>
+        <p:spPr>
+          <a:xfrm>
+            <a:off x="0" y="1726075"/>
+            <a:ext cx="12192000" cy="4749800"/>
+          </a:xfrm>
+          <a:prstGeom prst="rect">
+            <a:avLst/>
+          </a:prstGeom>
+        </p:spPr>
+      </p:pic>
+    </p:spTree>
+    <p:extLst>
+      <p:ext uri="{BB962C8B-B14F-4D97-AF65-F5344CB8AC3E}">
+        <p14:creationId xmlns:p14="http://schemas.microsoft.com/office/powerpoint/2010/main" val="3539947182"/>
+      </p:ext>
+    </p:extLst>
+  </p:cSld>
+  <p:clrMapOvr>
+    <a:masterClrMapping/>
+  </p:clrMapOvr>
+</p:sld>
+</file>
+
+<file path=ppt/slides/slide9.xml><?xml version="1.0" encoding="utf-8"?>
+<p:sld xmlns:a="http://schemas.openxmlformats.org/drawingml/2006/main" xmlns:r="http://schemas.openxmlformats.org/officeDocument/2006/relationships" xmlns:p="http://schemas.openxmlformats.org/presentationml/2006/main">
+  <p:cSld>
+    <p:spTree>
+      <p:nvGrpSpPr>
+        <p:cNvPr id="1" name=""/>
+        <p:cNvGrpSpPr/>
+        <p:nvPr/>
+      </p:nvGrpSpPr>
+      <p:grpSpPr>
+        <a:xfrm>
+          <a:off x="0" y="0"/>
+          <a:ext cx="0" cy="0"/>
+          <a:chOff x="0" y="0"/>
+          <a:chExt cx="0" cy="0"/>
+        </a:xfrm>
+      </p:grpSpPr>
+      <p:sp>
+        <p:nvSpPr>
+          <p:cNvPr id="2" name="Заголовок 1">
+            <a:extLst>
+              <a:ext uri="{FF2B5EF4-FFF2-40B4-BE49-F238E27FC236}">
+                <a16:creationId xmlns:a16="http://schemas.microsoft.com/office/drawing/2014/main" id="{A92DE089-ECF3-4FDE-86A5-276C0A76A9FC}"/>
+              </a:ext>
+            </a:extLst>
+          </p:cNvPr>
+          <p:cNvSpPr>
+            <a:spLocks noGrp="1"/>
+          </p:cNvSpPr>
+          <p:nvPr>
+            <p:ph type="title"/>
+          </p:nvPr>
+        </p:nvSpPr>
+        <p:spPr/>
+        <p:txBody>
+          <a:bodyPr/>
+          <a:lstStyle/>
+          <a:p>
+            <a:r>
+              <a:rPr lang="ru-RU" dirty="0"/>
+              <a:t>Проделанная работа</a:t>
+            </a:r>
+          </a:p>
+        </p:txBody>
+      </p:sp>
+      <p:sp>
+        <p:nvSpPr>
+          <p:cNvPr id="3" name="Объект 2">
+            <a:extLst>
+              <a:ext uri="{FF2B5EF4-FFF2-40B4-BE49-F238E27FC236}">
+                <a16:creationId xmlns:a16="http://schemas.microsoft.com/office/drawing/2014/main" id="{397249CA-DE6B-4B73-B328-224BB804BA44}"/>
+              </a:ext>
+            </a:extLst>
+          </p:cNvPr>
+          <p:cNvSpPr>
+            <a:spLocks noGrp="1"/>
+          </p:cNvSpPr>
+          <p:nvPr>
+            <p:ph idx="1"/>
+          </p:nvPr>
+        </p:nvSpPr>
+        <p:spPr>
+          <a:xfrm>
+            <a:off x="238541" y="1488613"/>
+            <a:ext cx="4451257" cy="2543935"/>
+          </a:xfrm>
+        </p:spPr>
+        <p:txBody>
+          <a:bodyPr>
+            <a:normAutofit fontScale="92500" lnSpcReduction="20000"/>
+          </a:bodyPr>
+          <a:lstStyle/>
+          <a:p>
+            <a:pPr marL="0" indent="0">
+              <a:buNone/>
+            </a:pPr>
+            <a:r>
+              <a:rPr lang="ru-RU" dirty="0"/>
+              <a:t>Гладких Павел</a:t>
+            </a:r>
+          </a:p>
+          <a:p>
+            <a:r>
+              <a:rPr lang="ru-RU" dirty="0"/>
+              <a:t>Диаграмма классов и </a:t>
+            </a:r>
+            <a:r>
+              <a:rPr lang="en-US" dirty="0"/>
+              <a:t>use-case </a:t>
+            </a:r>
+            <a:r>
+              <a:rPr lang="ru-RU" dirty="0"/>
+              <a:t>диаграммы</a:t>
+            </a:r>
+            <a:endParaRPr lang="en-US" dirty="0"/>
+          </a:p>
+          <a:p>
+            <a:r>
+              <a:rPr lang="ru-RU" dirty="0"/>
+              <a:t>Разработка </a:t>
+            </a:r>
+            <a:r>
+              <a:rPr lang="en-US" dirty="0"/>
+              <a:t>back-end </a:t>
+            </a:r>
+            <a:r>
+              <a:rPr lang="ru-RU" dirty="0"/>
+              <a:t>части сайта</a:t>
+            </a:r>
+          </a:p>
+          <a:p>
+            <a:pPr lvl="1"/>
+            <a:r>
+              <a:rPr lang="ru-RU" dirty="0"/>
+              <a:t>Язык </a:t>
+            </a:r>
+            <a:r>
+              <a:rPr lang="en-US" dirty="0"/>
+              <a:t>C#</a:t>
+            </a:r>
+          </a:p>
+          <a:p>
+            <a:pPr lvl="1"/>
+            <a:r>
+              <a:rPr lang="ru-RU" dirty="0"/>
+              <a:t>Платформа </a:t>
+            </a:r>
+            <a:r>
+              <a:rPr lang="en-US" dirty="0"/>
+              <a:t>ASP.NET Core</a:t>
+            </a:r>
+          </a:p>
+          <a:p>
+            <a:pPr lvl="1"/>
+            <a:r>
+              <a:rPr lang="ru-RU" dirty="0"/>
+              <a:t>База данных </a:t>
+            </a:r>
+            <a:r>
+              <a:rPr lang="en-US" dirty="0"/>
+              <a:t>MySQL</a:t>
+            </a:r>
+          </a:p>
+          <a:p>
+            <a:pPr lvl="1"/>
+            <a:r>
+              <a:rPr lang="en-US" dirty="0" err="1"/>
+              <a:t>Autofac</a:t>
+            </a:r>
+            <a:endParaRPr lang="ru-RU" dirty="0"/>
+          </a:p>
+        </p:txBody>
+      </p:sp>
+      <p:sp>
+        <p:nvSpPr>
+          <p:cNvPr id="4" name="Объект 2">
+            <a:extLst>
+              <a:ext uri="{FF2B5EF4-FFF2-40B4-BE49-F238E27FC236}">
+                <a16:creationId xmlns:a16="http://schemas.microsoft.com/office/drawing/2014/main" id="{3B782C5C-27AB-4073-9B10-3634808A69C0}"/>
+              </a:ext>
+            </a:extLst>
+          </p:cNvPr>
+          <p:cNvSpPr txBox="1">
+            <a:spLocks/>
+          </p:cNvSpPr>
+          <p:nvPr/>
+        </p:nvSpPr>
+        <p:spPr>
+          <a:xfrm>
+            <a:off x="5460632" y="1488612"/>
+            <a:ext cx="4451257" cy="2514027"/>
+          </a:xfrm>
+          <a:prstGeom prst="rect">
+            <a:avLst/>
+          </a:prstGeom>
+        </p:spPr>
+        <p:txBody>
+          <a:bodyPr vert="horz" lIns="91440" tIns="45720" rIns="91440" bIns="45720" rtlCol="0">
+            <a:normAutofit/>
+          </a:bodyPr>
+          <a:lstStyle>
+            <a:lvl1pPr marL="342900" indent="-342900" algn="l" defTabSz="457200" rtl="0" eaLnBrk="1" latinLnBrk="0" hangingPunct="1">
+              <a:spcBef>
+                <a:spcPts val="1000"/>
+              </a:spcBef>
+              <a:spcAft>
+                <a:spcPts val="0"/>
+              </a:spcAft>
+              <a:buClr>
+                <a:schemeClr val="accent1"/>
+              </a:buClr>
+              <a:buSzPct val="80000"/>
+              <a:buFont typeface="Wingdings 3" charset="2"/>
+              <a:buChar char=""/>
+              <a:defRPr sz="1800" kern="1200">
+                <a:solidFill>
+                  <a:schemeClr val="tx1">
+                    <a:lumMod val="75000"/>
+                    <a:lumOff val="25000"/>
+                  </a:schemeClr>
+                </a:solidFill>
+                <a:latin typeface="+mn-lt"/>
+                <a:ea typeface="+mn-ea"/>
+                <a:cs typeface="+mn-cs"/>
+              </a:defRPr>
+            </a:lvl1pPr>
+            <a:lvl2pPr marL="742950" indent="-285750" algn="l" defTabSz="457200" rtl="0" eaLnBrk="1" latinLnBrk="0" hangingPunct="1">
+              <a:spcBef>
+                <a:spcPts val="1000"/>
+              </a:spcBef>
+              <a:spcAft>
+                <a:spcPts val="0"/>
+              </a:spcAft>
+              <a:buClr>
+                <a:schemeClr val="accent1"/>
+              </a:buClr>
+              <a:buSzPct val="80000"/>
+              <a:buFont typeface="Wingdings 3" charset="2"/>
+              <a:buChar char=""/>
+              <a:defRPr sz="1600" kern="1200">
+                <a:solidFill>
+                  <a:schemeClr val="tx1">
+                    <a:lumMod val="75000"/>
+                    <a:lumOff val="25000"/>
+                  </a:schemeClr>
+                </a:solidFill>
+                <a:latin typeface="+mn-lt"/>
+                <a:ea typeface="+mn-ea"/>
+                <a:cs typeface="+mn-cs"/>
+              </a:defRPr>
+            </a:lvl2pPr>
+            <a:lvl3pPr marL="1143000" indent="-228600" algn="l" defTabSz="457200" rtl="0" eaLnBrk="1" latinLnBrk="0" hangingPunct="1">
+              <a:spcBef>
+                <a:spcPts val="1000"/>
+              </a:spcBef>
+              <a:spcAft>
+                <a:spcPts val="0"/>
+              </a:spcAft>
+              <a:buClr>
+                <a:schemeClr val="accent1"/>
+              </a:buClr>
+              <a:buSzPct val="80000"/>
+              <a:buFont typeface="Wingdings 3" charset="2"/>
+              <a:buChar char=""/>
+              <a:defRPr sz="1400" kern="1200">
+                <a:solidFill>
+                  <a:schemeClr val="tx1">
+                    <a:lumMod val="75000"/>
+                    <a:lumOff val="25000"/>
+                  </a:schemeClr>
+                </a:solidFill>
+                <a:latin typeface="+mn-lt"/>
+                <a:ea typeface="+mn-ea"/>
+                <a:cs typeface="+mn-cs"/>
+              </a:defRPr>
+            </a:lvl3pPr>
+            <a:lvl4pPr marL="1600200" indent="-228600" algn="l" defTabSz="457200" rtl="0" eaLnBrk="1" latinLnBrk="0" hangingPunct="1">
+              <a:spcBef>
+                <a:spcPts val="1000"/>
+              </a:spcBef>
+              <a:spcAft>
+                <a:spcPts val="0"/>
+              </a:spcAft>
+              <a:buClr>
+                <a:schemeClr val="accent1"/>
+              </a:buClr>
+              <a:buSzPct val="80000"/>
+              <a:buFont typeface="Wingdings 3" charset="2"/>
+              <a:buChar char=""/>
+              <a:defRPr sz="1200" kern="1200">
+                <a:solidFill>
+                  <a:schemeClr val="tx1">
+                    <a:lumMod val="75000"/>
+                    <a:lumOff val="25000"/>
+                  </a:schemeClr>
+                </a:solidFill>
+                <a:latin typeface="+mn-lt"/>
+                <a:ea typeface="+mn-ea"/>
+                <a:cs typeface="+mn-cs"/>
+              </a:defRPr>
+            </a:lvl4pPr>
+            <a:lvl5pPr marL="2057400" indent="-228600" algn="l" defTabSz="457200" rtl="0" eaLnBrk="1" latinLnBrk="0" hangingPunct="1">
+              <a:spcBef>
+                <a:spcPts val="1000"/>
+              </a:spcBef>
+              <a:spcAft>
+                <a:spcPts val="0"/>
+              </a:spcAft>
+              <a:buClr>
+                <a:schemeClr val="accent1"/>
+              </a:buClr>
+              <a:buSzPct val="80000"/>
+              <a:buFont typeface="Wingdings 3" charset="2"/>
+              <a:buChar char=""/>
+              <a:defRPr sz="1200" kern="1200">
+                <a:solidFill>
+                  <a:schemeClr val="tx1">
+                    <a:lumMod val="75000"/>
+                    <a:lumOff val="25000"/>
+                  </a:schemeClr>
+                </a:solidFill>
+                <a:latin typeface="+mn-lt"/>
+                <a:ea typeface="+mn-ea"/>
+                <a:cs typeface="+mn-cs"/>
+              </a:defRPr>
+            </a:lvl5pPr>
+            <a:lvl6pPr marL="2514600" indent="-228600" algn="l" defTabSz="457200" rtl="0" eaLnBrk="1" latinLnBrk="0" hangingPunct="1">
+              <a:spcBef>
+                <a:spcPts val="1000"/>
+              </a:spcBef>
+              <a:spcAft>
+                <a:spcPts val="0"/>
+              </a:spcAft>
+              <a:buClr>
+                <a:schemeClr val="accent1"/>
+              </a:buClr>
+              <a:buSzPct val="80000"/>
+              <a:buFont typeface="Wingdings 3" charset="2"/>
+              <a:buChar char=""/>
+              <a:defRPr sz="1200" kern="1200">
+                <a:solidFill>
+                  <a:schemeClr val="tx1">
+                    <a:lumMod val="75000"/>
+                    <a:lumOff val="25000"/>
+                  </a:schemeClr>
+                </a:solidFill>
+                <a:latin typeface="+mn-lt"/>
+                <a:ea typeface="+mn-ea"/>
+                <a:cs typeface="+mn-cs"/>
+              </a:defRPr>
+            </a:lvl6pPr>
+            <a:lvl7pPr marL="2971800" indent="-228600" algn="l" defTabSz="457200" rtl="0" eaLnBrk="1" latinLnBrk="0" hangingPunct="1">
+              <a:spcBef>
+                <a:spcPts val="1000"/>
+              </a:spcBef>
+              <a:spcAft>
+                <a:spcPts val="0"/>
+              </a:spcAft>
+              <a:buClr>
+                <a:schemeClr val="accent1"/>
+              </a:buClr>
+              <a:buSzPct val="80000"/>
+              <a:buFont typeface="Wingdings 3" charset="2"/>
+              <a:buChar char=""/>
+              <a:defRPr sz="1200" kern="1200">
+                <a:solidFill>
+                  <a:schemeClr val="tx1">
+                    <a:lumMod val="75000"/>
+                    <a:lumOff val="25000"/>
+                  </a:schemeClr>
+                </a:solidFill>
+                <a:latin typeface="+mn-lt"/>
+                <a:ea typeface="+mn-ea"/>
+                <a:cs typeface="+mn-cs"/>
+              </a:defRPr>
+            </a:lvl7pPr>
+            <a:lvl8pPr marL="3429000" indent="-228600" algn="l" defTabSz="457200" rtl="0" eaLnBrk="1" latinLnBrk="0" hangingPunct="1">
+              <a:spcBef>
+                <a:spcPts val="1000"/>
+              </a:spcBef>
+              <a:spcAft>
+                <a:spcPts val="0"/>
+              </a:spcAft>
+              <a:buClr>
+                <a:schemeClr val="accent1"/>
+              </a:buClr>
+              <a:buSzPct val="80000"/>
+              <a:buFont typeface="Wingdings 3" charset="2"/>
+              <a:buChar char=""/>
+              <a:defRPr sz="1200" kern="1200">
+                <a:solidFill>
+                  <a:schemeClr val="tx1">
+                    <a:lumMod val="75000"/>
+                    <a:lumOff val="25000"/>
+                  </a:schemeClr>
+                </a:solidFill>
+                <a:latin typeface="+mn-lt"/>
+                <a:ea typeface="+mn-ea"/>
+                <a:cs typeface="+mn-cs"/>
+              </a:defRPr>
+            </a:lvl8pPr>
+            <a:lvl9pPr marL="3886200" indent="-228600" algn="l" defTabSz="457200" rtl="0" eaLnBrk="1" latinLnBrk="0" hangingPunct="1">
+              <a:spcBef>
+                <a:spcPts val="1000"/>
+              </a:spcBef>
+              <a:spcAft>
+                <a:spcPts val="0"/>
+              </a:spcAft>
+              <a:buClr>
+                <a:schemeClr val="accent1"/>
+              </a:buClr>
+              <a:buSzPct val="80000"/>
+              <a:buFont typeface="Wingdings 3" charset="2"/>
+              <a:buChar char=""/>
+              <a:defRPr sz="1200" kern="1200">
+                <a:solidFill>
+                  <a:schemeClr val="tx1">
+                    <a:lumMod val="75000"/>
+                    <a:lumOff val="25000"/>
+                  </a:schemeClr>
+                </a:solidFill>
+                <a:latin typeface="+mn-lt"/>
+                <a:ea typeface="+mn-ea"/>
+                <a:cs typeface="+mn-cs"/>
+              </a:defRPr>
+            </a:lvl9pPr>
+          </a:lstStyle>
+          <a:p>
+            <a:pPr marL="0" indent="0">
+              <a:buFont typeface="Wingdings 3" charset="2"/>
+              <a:buNone/>
+            </a:pPr>
+            <a:r>
+              <a:rPr lang="ru-RU" dirty="0"/>
+              <a:t>Шаров Владимир</a:t>
+            </a:r>
+          </a:p>
+          <a:p>
+            <a:r>
+              <a:rPr lang="ru-RU" dirty="0"/>
+              <a:t>Диаграмма последовательностей</a:t>
+            </a:r>
+          </a:p>
+          <a:p>
+            <a:r>
+              <a:rPr lang="ru-RU" dirty="0"/>
+              <a:t>Диаграмма активностей</a:t>
+            </a:r>
+          </a:p>
+          <a:p>
+            <a:r>
+              <a:rPr lang="ru-RU" dirty="0"/>
+              <a:t>Разработка </a:t>
+            </a:r>
+            <a:r>
+              <a:rPr lang="en-US" dirty="0"/>
+              <a:t>front-end </a:t>
+            </a:r>
+            <a:r>
+              <a:rPr lang="ru-RU" dirty="0"/>
+              <a:t>части сайта</a:t>
+            </a:r>
+            <a:endParaRPr lang="en-US" dirty="0"/>
+          </a:p>
+          <a:p>
+            <a:pPr lvl="1"/>
+            <a:r>
+              <a:rPr lang="ru-RU" dirty="0"/>
+              <a:t>Главная страница</a:t>
+            </a:r>
+          </a:p>
+          <a:p>
+            <a:pPr lvl="1"/>
+            <a:r>
+              <a:rPr lang="ru-RU" dirty="0"/>
+              <a:t>Страница переводов</a:t>
+            </a:r>
+          </a:p>
+        </p:txBody>
+      </p:sp>
+      <p:sp>
+        <p:nvSpPr>
+          <p:cNvPr id="5" name="Объект 2">
+            <a:extLst>
+              <a:ext uri="{FF2B5EF4-FFF2-40B4-BE49-F238E27FC236}">
+                <a16:creationId xmlns:a16="http://schemas.microsoft.com/office/drawing/2014/main" id="{74C51692-2A8F-4E12-BAF9-0F1C455B969C}"/>
+              </a:ext>
+            </a:extLst>
+          </p:cNvPr>
+          <p:cNvSpPr txBox="1">
+            <a:spLocks/>
+          </p:cNvSpPr>
+          <p:nvPr/>
+        </p:nvSpPr>
+        <p:spPr>
+          <a:xfrm>
+            <a:off x="2849587" y="4002639"/>
+            <a:ext cx="4451257" cy="2543935"/>
+          </a:xfrm>
+          <a:prstGeom prst="rect">
+            <a:avLst/>
+          </a:prstGeom>
+        </p:spPr>
+        <p:txBody>
+          <a:bodyPr vert="horz" lIns="91440" tIns="45720" rIns="91440" bIns="45720" rtlCol="0">
+            <a:normAutofit lnSpcReduction="10000"/>
+          </a:bodyPr>
+          <a:lstStyle>
+            <a:lvl1pPr marL="342900" indent="-342900" algn="l" defTabSz="457200" rtl="0" eaLnBrk="1" latinLnBrk="0" hangingPunct="1">
+              <a:spcBef>
+                <a:spcPts val="1000"/>
+              </a:spcBef>
+              <a:spcAft>
+                <a:spcPts val="0"/>
+              </a:spcAft>
+              <a:buClr>
+                <a:schemeClr val="accent1"/>
+              </a:buClr>
+              <a:buSzPct val="80000"/>
+              <a:buFont typeface="Wingdings 3" charset="2"/>
+              <a:buChar char=""/>
+              <a:defRPr sz="1800" kern="1200">
+                <a:solidFill>
+                  <a:schemeClr val="tx1">
+                    <a:lumMod val="75000"/>
+                    <a:lumOff val="25000"/>
+                  </a:schemeClr>
+                </a:solidFill>
+                <a:latin typeface="+mn-lt"/>
+                <a:ea typeface="+mn-ea"/>
+                <a:cs typeface="+mn-cs"/>
+              </a:defRPr>
+            </a:lvl1pPr>
+            <a:lvl2pPr marL="742950" indent="-285750" algn="l" defTabSz="457200" rtl="0" eaLnBrk="1" latinLnBrk="0" hangingPunct="1">
+              <a:spcBef>
+                <a:spcPts val="1000"/>
+              </a:spcBef>
+              <a:spcAft>
+                <a:spcPts val="0"/>
+              </a:spcAft>
+              <a:buClr>
+                <a:schemeClr val="accent1"/>
+              </a:buClr>
+              <a:buSzPct val="80000"/>
+              <a:buFont typeface="Wingdings 3" charset="2"/>
+              <a:buChar char=""/>
+              <a:defRPr sz="1600" kern="1200">
+                <a:solidFill>
+                  <a:schemeClr val="tx1">
+                    <a:lumMod val="75000"/>
+                    <a:lumOff val="25000"/>
+                  </a:schemeClr>
+                </a:solidFill>
+                <a:latin typeface="+mn-lt"/>
+                <a:ea typeface="+mn-ea"/>
+                <a:cs typeface="+mn-cs"/>
+              </a:defRPr>
+            </a:lvl2pPr>
+            <a:lvl3pPr marL="1143000" indent="-228600" algn="l" defTabSz="457200" rtl="0" eaLnBrk="1" latinLnBrk="0" hangingPunct="1">
+              <a:spcBef>
+                <a:spcPts val="1000"/>
+              </a:spcBef>
+              <a:spcAft>
+                <a:spcPts val="0"/>
+              </a:spcAft>
+              <a:buClr>
+                <a:schemeClr val="accent1"/>
+              </a:buClr>
+              <a:buSzPct val="80000"/>
+              <a:buFont typeface="Wingdings 3" charset="2"/>
+              <a:buChar char=""/>
+              <a:defRPr sz="1400" kern="1200">
+                <a:solidFill>
+                  <a:schemeClr val="tx1">
+                    <a:lumMod val="75000"/>
+                    <a:lumOff val="25000"/>
+                  </a:schemeClr>
+                </a:solidFill>
+                <a:latin typeface="+mn-lt"/>
+                <a:ea typeface="+mn-ea"/>
+                <a:cs typeface="+mn-cs"/>
+              </a:defRPr>
+            </a:lvl3pPr>
+            <a:lvl4pPr marL="1600200" indent="-228600" algn="l" defTabSz="457200" rtl="0" eaLnBrk="1" latinLnBrk="0" hangingPunct="1">
+              <a:spcBef>
+                <a:spcPts val="1000"/>
+              </a:spcBef>
+              <a:spcAft>
+                <a:spcPts val="0"/>
+              </a:spcAft>
+              <a:buClr>
+                <a:schemeClr val="accent1"/>
+              </a:buClr>
+              <a:buSzPct val="80000"/>
+              <a:buFont typeface="Wingdings 3" charset="2"/>
+              <a:buChar char=""/>
+              <a:defRPr sz="1200" kern="1200">
+                <a:solidFill>
+                  <a:schemeClr val="tx1">
+                    <a:lumMod val="75000"/>
+                    <a:lumOff val="25000"/>
+                  </a:schemeClr>
+                </a:solidFill>
+                <a:latin typeface="+mn-lt"/>
+                <a:ea typeface="+mn-ea"/>
+                <a:cs typeface="+mn-cs"/>
+              </a:defRPr>
+            </a:lvl4pPr>
+            <a:lvl5pPr marL="2057400" indent="-228600" algn="l" defTabSz="457200" rtl="0" eaLnBrk="1" latinLnBrk="0" hangingPunct="1">
+              <a:spcBef>
+                <a:spcPts val="1000"/>
+              </a:spcBef>
+              <a:spcAft>
+                <a:spcPts val="0"/>
+              </a:spcAft>
+              <a:buClr>
+                <a:schemeClr val="accent1"/>
+              </a:buClr>
+              <a:buSzPct val="80000"/>
+              <a:buFont typeface="Wingdings 3" charset="2"/>
+              <a:buChar char=""/>
+              <a:defRPr sz="1200" kern="1200">
+                <a:solidFill>
+                  <a:schemeClr val="tx1">
+                    <a:lumMod val="75000"/>
+                    <a:lumOff val="25000"/>
+                  </a:schemeClr>
+                </a:solidFill>
+                <a:latin typeface="+mn-lt"/>
+                <a:ea typeface="+mn-ea"/>
+                <a:cs typeface="+mn-cs"/>
+              </a:defRPr>
+            </a:lvl5pPr>
+            <a:lvl6pPr marL="2514600" indent="-228600" algn="l" defTabSz="457200" rtl="0" eaLnBrk="1" latinLnBrk="0" hangingPunct="1">
+              <a:spcBef>
+                <a:spcPts val="1000"/>
+              </a:spcBef>
+              <a:spcAft>
+                <a:spcPts val="0"/>
+              </a:spcAft>
+              <a:buClr>
+                <a:schemeClr val="accent1"/>
+              </a:buClr>
+              <a:buSzPct val="80000"/>
+              <a:buFont typeface="Wingdings 3" charset="2"/>
+              <a:buChar char=""/>
+              <a:defRPr sz="1200" kern="1200">
+                <a:solidFill>
+                  <a:schemeClr val="tx1">
+                    <a:lumMod val="75000"/>
+                    <a:lumOff val="25000"/>
+                  </a:schemeClr>
+                </a:solidFill>
+                <a:latin typeface="+mn-lt"/>
+                <a:ea typeface="+mn-ea"/>
+                <a:cs typeface="+mn-cs"/>
+              </a:defRPr>
+            </a:lvl6pPr>
+            <a:lvl7pPr marL="2971800" indent="-228600" algn="l" defTabSz="457200" rtl="0" eaLnBrk="1" latinLnBrk="0" hangingPunct="1">
+              <a:spcBef>
+                <a:spcPts val="1000"/>
+              </a:spcBef>
+              <a:spcAft>
+                <a:spcPts val="0"/>
+              </a:spcAft>
+              <a:buClr>
+                <a:schemeClr val="accent1"/>
+              </a:buClr>
+              <a:buSzPct val="80000"/>
+              <a:buFont typeface="Wingdings 3" charset="2"/>
+              <a:buChar char=""/>
+              <a:defRPr sz="1200" kern="1200">
+                <a:solidFill>
+                  <a:schemeClr val="tx1">
+                    <a:lumMod val="75000"/>
+                    <a:lumOff val="25000"/>
+                  </a:schemeClr>
+                </a:solidFill>
+                <a:latin typeface="+mn-lt"/>
+                <a:ea typeface="+mn-ea"/>
+                <a:cs typeface="+mn-cs"/>
+              </a:defRPr>
+            </a:lvl7pPr>
+            <a:lvl8pPr marL="3429000" indent="-228600" algn="l" defTabSz="457200" rtl="0" eaLnBrk="1" latinLnBrk="0" hangingPunct="1">
+              <a:spcBef>
+                <a:spcPts val="1000"/>
+              </a:spcBef>
+              <a:spcAft>
+                <a:spcPts val="0"/>
+              </a:spcAft>
+              <a:buClr>
+                <a:schemeClr val="accent1"/>
+              </a:buClr>
+              <a:buSzPct val="80000"/>
+              <a:buFont typeface="Wingdings 3" charset="2"/>
+              <a:buChar char=""/>
+              <a:defRPr sz="1200" kern="1200">
+                <a:solidFill>
+                  <a:schemeClr val="tx1">
+                    <a:lumMod val="75000"/>
+                    <a:lumOff val="25000"/>
+                  </a:schemeClr>
+                </a:solidFill>
+                <a:latin typeface="+mn-lt"/>
+                <a:ea typeface="+mn-ea"/>
+                <a:cs typeface="+mn-cs"/>
+              </a:defRPr>
+            </a:lvl8pPr>
+            <a:lvl9pPr marL="3886200" indent="-228600" algn="l" defTabSz="457200" rtl="0" eaLnBrk="1" latinLnBrk="0" hangingPunct="1">
+              <a:spcBef>
+                <a:spcPts val="1000"/>
+              </a:spcBef>
+              <a:spcAft>
+                <a:spcPts val="0"/>
+              </a:spcAft>
+              <a:buClr>
+                <a:schemeClr val="accent1"/>
+              </a:buClr>
+              <a:buSzPct val="80000"/>
+              <a:buFont typeface="Wingdings 3" charset="2"/>
+              <a:buChar char=""/>
+              <a:defRPr sz="1200" kern="1200">
+                <a:solidFill>
+                  <a:schemeClr val="tx1">
+                    <a:lumMod val="75000"/>
+                    <a:lumOff val="25000"/>
+                  </a:schemeClr>
+                </a:solidFill>
+                <a:latin typeface="+mn-lt"/>
+                <a:ea typeface="+mn-ea"/>
+                <a:cs typeface="+mn-cs"/>
+              </a:defRPr>
+            </a:lvl9pPr>
+          </a:lstStyle>
+          <a:p>
+            <a:pPr marL="0" indent="0">
+              <a:buFont typeface="Wingdings 3" charset="2"/>
+              <a:buNone/>
+            </a:pPr>
+            <a:r>
+              <a:rPr lang="ru-RU" dirty="0" err="1"/>
+              <a:t>Килигин</a:t>
+            </a:r>
+            <a:r>
+              <a:rPr lang="ru-RU" dirty="0"/>
+              <a:t> Егор</a:t>
+            </a:r>
+          </a:p>
+          <a:p>
+            <a:r>
+              <a:rPr lang="ru-RU" dirty="0"/>
+              <a:t>Диаграмма состояний</a:t>
+            </a:r>
+          </a:p>
+          <a:p>
+            <a:r>
+              <a:rPr lang="ru-RU" dirty="0"/>
+              <a:t>Продуктовые воронки</a:t>
+            </a:r>
+          </a:p>
+          <a:p>
+            <a:r>
+              <a:rPr lang="ru-RU" dirty="0"/>
+              <a:t>Разработка </a:t>
+            </a:r>
+            <a:r>
+              <a:rPr lang="en-US" dirty="0"/>
+              <a:t>front-end </a:t>
+            </a:r>
+            <a:r>
+              <a:rPr lang="ru-RU" dirty="0"/>
+              <a:t>части сайта</a:t>
+            </a:r>
+            <a:endParaRPr lang="en-US" dirty="0"/>
+          </a:p>
+          <a:p>
+            <a:pPr lvl="1"/>
+            <a:r>
+              <a:rPr lang="ru-RU" dirty="0"/>
+              <a:t>Страницы авторизации и регистрации</a:t>
+            </a:r>
+          </a:p>
+          <a:p>
+            <a:pPr lvl="1"/>
+            <a:r>
+              <a:rPr lang="ru-RU" dirty="0"/>
+              <a:t>Страница пополнения кошелька</a:t>
+            </a:r>
+          </a:p>
+        </p:txBody>
+      </p:sp>
+    </p:spTree>
+    <p:extLst>
+      <p:ext uri="{BB962C8B-B14F-4D97-AF65-F5344CB8AC3E}">
+        <p14:creationId xmlns:p14="http://schemas.microsoft.com/office/powerpoint/2010/main" val="17512200"/>
       </p:ext>
     </p:extLst>
   </p:cSld>

--- a/Презентация.pptx
+++ b/Презентация.pptx
@@ -8,12 +8,12 @@
     <p:sldId id="256" r:id="rId2"/>
     <p:sldId id="259" r:id="rId3"/>
     <p:sldId id="257" r:id="rId4"/>
-    <p:sldId id="260" r:id="rId5"/>
-    <p:sldId id="261" r:id="rId6"/>
-    <p:sldId id="262" r:id="rId7"/>
-    <p:sldId id="263" r:id="rId8"/>
-    <p:sldId id="264" r:id="rId9"/>
-    <p:sldId id="265" r:id="rId10"/>
+    <p:sldId id="261" r:id="rId5"/>
+    <p:sldId id="262" r:id="rId6"/>
+    <p:sldId id="263" r:id="rId7"/>
+    <p:sldId id="264" r:id="rId8"/>
+    <p:sldId id="265" r:id="rId9"/>
+    <p:sldId id="266" r:id="rId10"/>
   </p:sldIdLst>
   <p:sldSz cx="12192000" cy="6858000"/>
   <p:notesSz cx="6858000" cy="9144000"/>
@@ -6042,7 +6042,7 @@
         <p:spPr/>
         <p:txBody>
           <a:bodyPr>
-            <a:normAutofit lnSpcReduction="10000"/>
+            <a:normAutofit fontScale="92500" lnSpcReduction="20000"/>
           </a:bodyPr>
           <a:lstStyle/>
           <a:p>
@@ -6058,6 +6058,13 @@
             <a:r>
               <a:rPr lang="ru-RU" dirty="0"/>
               <a:t>Заморозка кошельков</a:t>
+            </a:r>
+            <a:endParaRPr lang="en-US" dirty="0"/>
+          </a:p>
+          <a:p>
+            <a:r>
+              <a:rPr lang="ru-RU" dirty="0"/>
+              <a:t>Отмена перевода</a:t>
             </a:r>
           </a:p>
           <a:p>
@@ -6174,95 +6181,6 @@
           <a:p>
             <a:r>
               <a:rPr lang="ru-RU" dirty="0"/>
-              <a:t>Продуктовые воронки</a:t>
-            </a:r>
-          </a:p>
-        </p:txBody>
-      </p:sp>
-      <p:sp>
-        <p:nvSpPr>
-          <p:cNvPr id="3" name="Объект 2"/>
-          <p:cNvSpPr>
-            <a:spLocks noGrp="1"/>
-          </p:cNvSpPr>
-          <p:nvPr>
-            <p:ph idx="1"/>
-          </p:nvPr>
-        </p:nvSpPr>
-        <p:spPr/>
-        <p:txBody>
-          <a:bodyPr/>
-          <a:lstStyle/>
-          <a:p>
-            <a:r>
-              <a:rPr lang="ru-RU" dirty="0"/>
-              <a:t>Посетил главную страницу -&gt; Зарегистрировался -&gt; пополнил баланс</a:t>
-            </a:r>
-          </a:p>
-          <a:p>
-            <a:r>
-              <a:rPr lang="ru-RU" dirty="0"/>
-              <a:t>Посетил главную страницу -&gt; Авторизовался -&gt; перевел деньги</a:t>
-            </a:r>
-          </a:p>
-          <a:p>
-            <a:r>
-              <a:rPr lang="ru-RU" dirty="0"/>
-              <a:t>Посетил главную страницу -&gt; Авторизовался -&gt; посмотрел историю переводов</a:t>
-            </a:r>
-          </a:p>
-          <a:p>
-            <a:endParaRPr lang="ru-RU" dirty="0"/>
-          </a:p>
-        </p:txBody>
-      </p:sp>
-    </p:spTree>
-    <p:extLst>
-      <p:ext uri="{BB962C8B-B14F-4D97-AF65-F5344CB8AC3E}">
-        <p14:creationId xmlns:p14="http://schemas.microsoft.com/office/powerpoint/2010/main" val="1591198220"/>
-      </p:ext>
-    </p:extLst>
-  </p:cSld>
-  <p:clrMapOvr>
-    <a:masterClrMapping/>
-  </p:clrMapOvr>
-</p:sld>
-</file>
-
-<file path=ppt/slides/slide5.xml><?xml version="1.0" encoding="utf-8"?>
-<p:sld xmlns:a="http://schemas.openxmlformats.org/drawingml/2006/main" xmlns:r="http://schemas.openxmlformats.org/officeDocument/2006/relationships" xmlns:p="http://schemas.openxmlformats.org/presentationml/2006/main">
-  <p:cSld>
-    <p:spTree>
-      <p:nvGrpSpPr>
-        <p:cNvPr id="1" name=""/>
-        <p:cNvGrpSpPr/>
-        <p:nvPr/>
-      </p:nvGrpSpPr>
-      <p:grpSpPr>
-        <a:xfrm>
-          <a:off x="0" y="0"/>
-          <a:ext cx="0" cy="0"/>
-          <a:chOff x="0" y="0"/>
-          <a:chExt cx="0" cy="0"/>
-        </a:xfrm>
-      </p:grpSpPr>
-      <p:sp>
-        <p:nvSpPr>
-          <p:cNvPr id="2" name="Заголовок 1"/>
-          <p:cNvSpPr>
-            <a:spLocks noGrp="1"/>
-          </p:cNvSpPr>
-          <p:nvPr>
-            <p:ph type="title"/>
-          </p:nvPr>
-        </p:nvSpPr>
-        <p:spPr/>
-        <p:txBody>
-          <a:bodyPr/>
-          <a:lstStyle/>
-          <a:p>
-            <a:r>
-              <a:rPr lang="ru-RU" dirty="0"/>
               <a:t>Особенности проекта</a:t>
             </a:r>
           </a:p>
@@ -6323,7 +6241,7 @@
 </p:sld>
 </file>
 
-<file path=ppt/slides/slide6.xml><?xml version="1.0" encoding="utf-8"?>
+<file path=ppt/slides/slide5.xml><?xml version="1.0" encoding="utf-8"?>
 <p:sld xmlns:a="http://schemas.openxmlformats.org/drawingml/2006/main" xmlns:r="http://schemas.openxmlformats.org/officeDocument/2006/relationships" xmlns:p="http://schemas.openxmlformats.org/presentationml/2006/main">
   <p:cSld>
     <p:bg>
@@ -7133,7 +7051,7 @@
 </p:sld>
 </file>
 
-<file path=ppt/slides/slide7.xml><?xml version="1.0" encoding="utf-8"?>
+<file path=ppt/slides/slide6.xml><?xml version="1.0" encoding="utf-8"?>
 <p:sld xmlns:a="http://schemas.openxmlformats.org/drawingml/2006/main" xmlns:r="http://schemas.openxmlformats.org/officeDocument/2006/relationships" xmlns:p="http://schemas.openxmlformats.org/presentationml/2006/main">
   <p:cSld>
     <p:spTree>
@@ -7247,7 +7165,7 @@
 </p:sld>
 </file>
 
-<file path=ppt/slides/slide8.xml><?xml version="1.0" encoding="utf-8"?>
+<file path=ppt/slides/slide7.xml><?xml version="1.0" encoding="utf-8"?>
 <p:sld xmlns:a="http://schemas.openxmlformats.org/drawingml/2006/main" xmlns:r="http://schemas.openxmlformats.org/officeDocument/2006/relationships" xmlns:p="http://schemas.openxmlformats.org/presentationml/2006/main">
   <p:cSld>
     <p:spTree>
@@ -7360,7 +7278,7 @@
 </p:sld>
 </file>
 
-<file path=ppt/slides/slide9.xml><?xml version="1.0" encoding="utf-8"?>
+<file path=ppt/slides/slide8.xml><?xml version="1.0" encoding="utf-8"?>
 <p:sld xmlns:a="http://schemas.openxmlformats.org/drawingml/2006/main" xmlns:r="http://schemas.openxmlformats.org/officeDocument/2006/relationships" xmlns:p="http://schemas.openxmlformats.org/presentationml/2006/main">
   <p:cSld>
     <p:spTree>
@@ -8135,6 +8053,136 @@
     <p:extLst>
       <p:ext uri="{BB962C8B-B14F-4D97-AF65-F5344CB8AC3E}">
         <p14:creationId xmlns:p14="http://schemas.microsoft.com/office/powerpoint/2010/main" val="17512200"/>
+      </p:ext>
+    </p:extLst>
+  </p:cSld>
+  <p:clrMapOvr>
+    <a:masterClrMapping/>
+  </p:clrMapOvr>
+</p:sld>
+</file>
+
+<file path=ppt/slides/slide9.xml><?xml version="1.0" encoding="utf-8"?>
+<p:sld xmlns:a="http://schemas.openxmlformats.org/drawingml/2006/main" xmlns:r="http://schemas.openxmlformats.org/officeDocument/2006/relationships" xmlns:p="http://schemas.openxmlformats.org/presentationml/2006/main">
+  <p:cSld>
+    <p:spTree>
+      <p:nvGrpSpPr>
+        <p:cNvPr id="1" name=""/>
+        <p:cNvGrpSpPr/>
+        <p:nvPr/>
+      </p:nvGrpSpPr>
+      <p:grpSpPr>
+        <a:xfrm>
+          <a:off x="0" y="0"/>
+          <a:ext cx="0" cy="0"/>
+          <a:chOff x="0" y="0"/>
+          <a:chExt cx="0" cy="0"/>
+        </a:xfrm>
+      </p:grpSpPr>
+      <p:sp>
+        <p:nvSpPr>
+          <p:cNvPr id="2" name="Заголовок 1">
+            <a:extLst>
+              <a:ext uri="{FF2B5EF4-FFF2-40B4-BE49-F238E27FC236}">
+                <a16:creationId xmlns:a16="http://schemas.microsoft.com/office/drawing/2014/main" id="{03FD3610-85BD-4502-AE72-B7C260E54770}"/>
+              </a:ext>
+            </a:extLst>
+          </p:cNvPr>
+          <p:cNvSpPr>
+            <a:spLocks noGrp="1"/>
+          </p:cNvSpPr>
+          <p:nvPr>
+            <p:ph type="title"/>
+          </p:nvPr>
+        </p:nvSpPr>
+        <p:spPr/>
+        <p:txBody>
+          <a:bodyPr>
+            <a:normAutofit/>
+          </a:bodyPr>
+          <a:lstStyle/>
+          <a:p>
+            <a:r>
+              <a:rPr lang="en-US" sz="5400" dirty="0"/>
+              <a:t>Contact us</a:t>
+            </a:r>
+            <a:endParaRPr lang="ru-RU" sz="5400" dirty="0"/>
+          </a:p>
+        </p:txBody>
+      </p:sp>
+      <p:sp>
+        <p:nvSpPr>
+          <p:cNvPr id="3" name="Объект 2">
+            <a:extLst>
+              <a:ext uri="{FF2B5EF4-FFF2-40B4-BE49-F238E27FC236}">
+                <a16:creationId xmlns:a16="http://schemas.microsoft.com/office/drawing/2014/main" id="{ACE42ACE-2C74-4A79-AEAF-BFDBFCE809FD}"/>
+              </a:ext>
+            </a:extLst>
+          </p:cNvPr>
+          <p:cNvSpPr>
+            <a:spLocks noGrp="1"/>
+          </p:cNvSpPr>
+          <p:nvPr>
+            <p:ph idx="1"/>
+          </p:nvPr>
+        </p:nvSpPr>
+        <p:spPr/>
+        <p:txBody>
+          <a:bodyPr/>
+          <a:lstStyle/>
+          <a:p>
+            <a:r>
+              <a:rPr lang="ru-RU" sz="2400" dirty="0"/>
+              <a:t>Гладких Павел Андреевич: </a:t>
+            </a:r>
+            <a:r>
+              <a:rPr lang="en-US" sz="2400" dirty="0"/>
+              <a:t>paulglad1999@gmail.com</a:t>
+            </a:r>
+          </a:p>
+          <a:p>
+            <a:r>
+              <a:rPr lang="ru-RU" sz="2400" dirty="0"/>
+              <a:t>Шаров Владимир Сергеевич: </a:t>
+            </a:r>
+          </a:p>
+          <a:p>
+            <a:r>
+              <a:rPr lang="ru-RU" sz="2400" dirty="0" err="1"/>
+              <a:t>Килигин</a:t>
+            </a:r>
+            <a:r>
+              <a:rPr lang="ru-RU" sz="2400" dirty="0"/>
+              <a:t> Егор Александрович: </a:t>
+            </a:r>
+            <a:r>
+              <a:rPr lang="en-US" sz="2400" dirty="0">
+                <a:hlinkClick r:id="rId2"/>
+              </a:rPr>
+              <a:t>egor.kiligin@yandex.ru</a:t>
+            </a:r>
+            <a:endParaRPr lang="en-US" sz="2400" dirty="0"/>
+          </a:p>
+          <a:p>
+            <a:r>
+              <a:rPr lang="ru-RU" sz="2400" dirty="0"/>
+              <a:t>Общий электронный адрес команды: </a:t>
+            </a:r>
+            <a:r>
+              <a:rPr lang="en-US" sz="2400" dirty="0"/>
+              <a:t>team.no3@list.ru</a:t>
+            </a:r>
+            <a:endParaRPr lang="ru-RU" sz="2400" dirty="0"/>
+          </a:p>
+          <a:p>
+            <a:endParaRPr lang="ru-RU" dirty="0"/>
+          </a:p>
+        </p:txBody>
+      </p:sp>
+    </p:spTree>
+    <p:extLst>
+      <p:ext uri="{BB962C8B-B14F-4D97-AF65-F5344CB8AC3E}">
+        <p14:creationId xmlns:p14="http://schemas.microsoft.com/office/powerpoint/2010/main" val="321069159"/>
       </p:ext>
     </p:extLst>
   </p:cSld>

--- a/Презентация.pptx
+++ b/Презентация.pptx
@@ -8145,6 +8145,11 @@
               <a:rPr lang="ru-RU" sz="2400" dirty="0"/>
               <a:t>Шаров Владимир Сергеевич: </a:t>
             </a:r>
+            <a:r>
+              <a:rPr lang="en-US" sz="2400" dirty="0"/>
+              <a:t>vovasharovv99@gmail.com</a:t>
+            </a:r>
+            <a:endParaRPr lang="ru-RU" sz="2400" dirty="0"/>
           </a:p>
           <a:p>
             <a:r>
@@ -8156,12 +8161,9 @@
               <a:t> Егор Александрович: </a:t>
             </a:r>
             <a:r>
-              <a:rPr lang="en-US" sz="2400" dirty="0">
-                <a:hlinkClick r:id="rId2"/>
-              </a:rPr>
+              <a:rPr lang="en-US" sz="2400" dirty="0"/>
               <a:t>egor.kiligin@yandex.ru</a:t>
             </a:r>
-            <a:endParaRPr lang="en-US" sz="2400" dirty="0"/>
           </a:p>
           <a:p>
             <a:r>
